--- a/20240305.pptx
+++ b/20240305.pptx
@@ -9,16 +9,15 @@
     <p:sldMasterId id="2147483683" r:id="rId5"/>
   </p:sldMasterIdLst>
   <p:notesMasterIdLst>
-    <p:notesMasterId r:id="rId13"/>
+    <p:notesMasterId r:id="rId12"/>
   </p:notesMasterIdLst>
   <p:sldIdLst>
     <p:sldId id="15101" r:id="rId6"/>
     <p:sldId id="15100" r:id="rId7"/>
-    <p:sldId id="257" r:id="rId8"/>
-    <p:sldId id="285" r:id="rId9"/>
-    <p:sldId id="15102" r:id="rId10"/>
-    <p:sldId id="15099" r:id="rId11"/>
-    <p:sldId id="15096" r:id="rId12"/>
+    <p:sldId id="285" r:id="rId8"/>
+    <p:sldId id="257" r:id="rId9"/>
+    <p:sldId id="15103" r:id="rId10"/>
+    <p:sldId id="15102" r:id="rId11"/>
   </p:sldIdLst>
   <p:sldSz cx="12192000" cy="6858000"/>
   <p:notesSz cx="6858000" cy="9144000"/>
@@ -218,7 +217,7 @@
           <a:p>
             <a:fld id="{9658A22A-E5D9-41D2-96B3-0C305ABBA05F}" type="datetimeFigureOut">
               <a:rPr kumimoji="1" lang="ja-JP" altLang="en-US" smtClean="0"/>
-              <a:t>2024/7/30</a:t>
+              <a:t>2024/7/31</a:t>
             </a:fld>
             <a:endParaRPr kumimoji="1" lang="ja-JP" altLang="en-US"/>
           </a:p>
@@ -771,7 +770,7 @@
           <a:p>
             <a:fld id="{E5CE2423-1C35-4C12-BAEC-CBD3693D0CE2}" type="datetimeFigureOut">
               <a:rPr kumimoji="1" lang="ja-JP" altLang="en-US" smtClean="0"/>
-              <a:t>2024/7/30</a:t>
+              <a:t>2024/7/31</a:t>
             </a:fld>
             <a:endParaRPr kumimoji="1" lang="ja-JP" altLang="en-US"/>
           </a:p>
@@ -1013,7 +1012,7 @@
             <a:fld id="{FCAFAC13-DB77-42F2-BE26-45BA5532FD50}" type="datetime4">
               <a:rPr lang="en-US" altLang="ja-JP" smtClean="0"/>
               <a:pPr/>
-              <a:t>July 30, 2024</a:t>
+              <a:t>July 31, 2024</a:t>
             </a:fld>
             <a:endParaRPr lang="en-US" dirty="0"/>
           </a:p>
@@ -2908,7 +2907,7 @@
           <a:p>
             <a:fld id="{E5CE2423-1C35-4C12-BAEC-CBD3693D0CE2}" type="datetimeFigureOut">
               <a:rPr kumimoji="1" lang="ja-JP" altLang="en-US" smtClean="0"/>
-              <a:t>2024/7/30</a:t>
+              <a:t>2024/7/31</a:t>
             </a:fld>
             <a:endParaRPr kumimoji="1" lang="ja-JP" altLang="en-US"/>
           </a:p>
@@ -3342,7 +3341,7 @@
           <a:p>
             <a:fld id="{E5CE2423-1C35-4C12-BAEC-CBD3693D0CE2}" type="datetimeFigureOut">
               <a:rPr kumimoji="1" lang="ja-JP" altLang="en-US" smtClean="0"/>
-              <a:t>2024/7/30</a:t>
+              <a:t>2024/7/31</a:t>
             </a:fld>
             <a:endParaRPr kumimoji="1" lang="ja-JP" altLang="en-US"/>
           </a:p>
@@ -3645,7 +3644,7 @@
           <a:p>
             <a:fld id="{E5CE2423-1C35-4C12-BAEC-CBD3693D0CE2}" type="datetimeFigureOut">
               <a:rPr kumimoji="1" lang="ja-JP" altLang="en-US" smtClean="0"/>
-              <a:t>2024/7/30</a:t>
+              <a:t>2024/7/31</a:t>
             </a:fld>
             <a:endParaRPr kumimoji="1" lang="ja-JP" altLang="en-US"/>
           </a:p>
@@ -3861,7 +3860,7 @@
           <a:p>
             <a:fld id="{E5CE2423-1C35-4C12-BAEC-CBD3693D0CE2}" type="datetimeFigureOut">
               <a:rPr kumimoji="1" lang="ja-JP" altLang="en-US" smtClean="0"/>
-              <a:t>2024/7/30</a:t>
+              <a:t>2024/7/31</a:t>
             </a:fld>
             <a:endParaRPr kumimoji="1" lang="ja-JP" altLang="en-US"/>
           </a:p>
@@ -4148,7 +4147,7 @@
             <a:fld id="{FCAFAC13-DB77-42F2-BE26-45BA5532FD50}" type="datetime4">
               <a:rPr lang="en-US" altLang="ja-JP" smtClean="0"/>
               <a:pPr/>
-              <a:t>July 30, 2024</a:t>
+              <a:t>July 31, 2024</a:t>
             </a:fld>
             <a:endParaRPr lang="en-US" dirty="0"/>
           </a:p>
@@ -4303,7 +4302,7 @@
             <a:fld id="{FCAFAC13-DB77-42F2-BE26-45BA5532FD50}" type="datetime4">
               <a:rPr lang="en-US" altLang="ja-JP" smtClean="0"/>
               <a:pPr/>
-              <a:t>July 30, 2024</a:t>
+              <a:t>July 31, 2024</a:t>
             </a:fld>
             <a:endParaRPr lang="en-US" dirty="0"/>
           </a:p>
@@ -4521,7 +4520,7 @@
             <a:fld id="{FCAFAC13-DB77-42F2-BE26-45BA5532FD50}" type="datetime4">
               <a:rPr lang="en-US" altLang="ja-JP" smtClean="0"/>
               <a:pPr/>
-              <a:t>July 30, 2024</a:t>
+              <a:t>July 31, 2024</a:t>
             </a:fld>
             <a:endParaRPr lang="en-US" dirty="0"/>
           </a:p>
@@ -4853,7 +4852,7 @@
           <a:p>
             <a:fld id="{E5CE2423-1C35-4C12-BAEC-CBD3693D0CE2}" type="datetimeFigureOut">
               <a:rPr kumimoji="1" lang="ja-JP" altLang="en-US" smtClean="0"/>
-              <a:t>2024/7/30</a:t>
+              <a:t>2024/7/31</a:t>
             </a:fld>
             <a:endParaRPr kumimoji="1" lang="ja-JP" altLang="en-US"/>
           </a:p>
@@ -11203,7 +11202,7 @@
             <a:fld id="{FCAFAC13-DB77-42F2-BE26-45BA5532FD50}" type="datetime4">
               <a:rPr lang="en-US" altLang="ja-JP" smtClean="0"/>
               <a:pPr/>
-              <a:t>July 30, 2024</a:t>
+              <a:t>July 31, 2024</a:t>
             </a:fld>
             <a:endParaRPr lang="en-US" dirty="0"/>
           </a:p>
@@ -17396,7 +17395,15 @@
           <a:p>
             <a:r>
               <a:rPr lang="ja-JP" altLang="en-US" dirty="0"/>
-              <a:t>・資料の事前確認</a:t>
+              <a:t>・</a:t>
+            </a:r>
+            <a:r>
+              <a:rPr lang="en-US" altLang="ja-JP" dirty="0"/>
+              <a:t>8/7</a:t>
+            </a:r>
+            <a:r>
+              <a:rPr lang="ja-JP" altLang="en-US" dirty="0"/>
+              <a:t>現場打合せ資料の事前確認</a:t>
             </a:r>
             <a:endParaRPr kumimoji="1" lang="en-US" altLang="ja-JP" dirty="0"/>
           </a:p>
@@ -17406,28 +17413,159 @@
           <a:p>
             <a:r>
               <a:rPr lang="ja-JP" altLang="en-US" dirty="0"/>
-              <a:t>内容</a:t>
+              <a:t>資料の構成</a:t>
             </a:r>
             <a:endParaRPr lang="en-US" altLang="ja-JP" dirty="0"/>
           </a:p>
           <a:p>
             <a:r>
+              <a:rPr kumimoji="1" lang="en-US" altLang="ja-JP" dirty="0"/>
+              <a:t>1. </a:t>
+            </a:r>
+            <a:r>
               <a:rPr kumimoji="1" lang="ja-JP" altLang="en-US" dirty="0"/>
-              <a:t>・上期のマイルストーン</a:t>
+              <a:t>上期のマイルストーン</a:t>
             </a:r>
             <a:endParaRPr kumimoji="1" lang="en-US" altLang="ja-JP" dirty="0"/>
           </a:p>
           <a:p>
             <a:r>
+              <a:rPr lang="en-US" altLang="ja-JP" dirty="0"/>
+              <a:t>2.</a:t>
+            </a:r>
+            <a:r>
+              <a:rPr lang="ja-JP" altLang="en-US" dirty="0"/>
+              <a:t> 上期のスケジュール</a:t>
+            </a:r>
+            <a:endParaRPr kumimoji="1" lang="en-US" altLang="ja-JP" dirty="0"/>
+          </a:p>
+          <a:p>
+            <a:r>
+              <a:rPr lang="en-US" altLang="ja-JP" dirty="0"/>
+              <a:t>3.</a:t>
+            </a:r>
+            <a:r>
+              <a:rPr lang="ja-JP" altLang="en-US" dirty="0"/>
+              <a:t> </a:t>
+            </a:r>
+            <a:r>
               <a:rPr kumimoji="1" lang="ja-JP" altLang="en-US" dirty="0"/>
-              <a:t>・開発状況の共有</a:t>
+              <a:t>要因粒度や要因の表現方法について</a:t>
             </a:r>
             <a:endParaRPr kumimoji="1" lang="en-US" altLang="ja-JP" dirty="0"/>
           </a:p>
           <a:p>
             <a:r>
+              <a:rPr lang="en-US" altLang="ja-JP" dirty="0"/>
+              <a:t>4. </a:t>
+            </a:r>
+            <a:r>
+              <a:rPr lang="ja-JP" altLang="en-US" sz="2000" dirty="0">
+                <a:solidFill>
+                  <a:schemeClr val="tx1"/>
+                </a:solidFill>
+              </a:rPr>
+              <a:t>精度指標（</a:t>
+            </a:r>
+            <a:r>
+              <a:rPr lang="en-US" altLang="ja-JP" sz="2000" dirty="0">
+                <a:solidFill>
+                  <a:schemeClr val="tx1"/>
+                </a:solidFill>
+              </a:rPr>
+              <a:t>Top-N</a:t>
+            </a:r>
+            <a:r>
+              <a:rPr lang="ja-JP" altLang="en-US" sz="2000" dirty="0">
+                <a:solidFill>
+                  <a:schemeClr val="tx1"/>
+                </a:solidFill>
+              </a:rPr>
+              <a:t>精度）について</a:t>
+            </a:r>
+            <a:endParaRPr lang="en-US" altLang="ja-JP" sz="2000" dirty="0">
+              <a:solidFill>
+                <a:schemeClr val="tx1"/>
+              </a:solidFill>
+            </a:endParaRPr>
+          </a:p>
+          <a:p>
+            <a:r>
+              <a:rPr lang="en-US" altLang="ja-JP" sz="2000" dirty="0">
+                <a:solidFill>
+                  <a:schemeClr val="tx1"/>
+                </a:solidFill>
+              </a:rPr>
+              <a:t>5. </a:t>
+            </a:r>
+            <a:r>
+              <a:rPr lang="ja-JP" altLang="en-US" sz="2000" dirty="0">
+                <a:solidFill>
+                  <a:schemeClr val="tx1"/>
+                </a:solidFill>
+              </a:rPr>
+              <a:t>要因正解データ収集依頼</a:t>
+            </a:r>
+            <a:endParaRPr lang="en-US" altLang="ja-JP" sz="2000" dirty="0">
+              <a:solidFill>
+                <a:schemeClr val="tx1"/>
+              </a:solidFill>
+            </a:endParaRPr>
+          </a:p>
+          <a:p>
+            <a:r>
+              <a:rPr lang="en-US" altLang="ja-JP" sz="2000" dirty="0">
+                <a:solidFill>
+                  <a:schemeClr val="tx1"/>
+                </a:solidFill>
+              </a:rPr>
+              <a:t>6. UI</a:t>
+            </a:r>
+            <a:r>
+              <a:rPr lang="ja-JP" altLang="en-US" sz="2000" dirty="0">
+                <a:solidFill>
+                  <a:schemeClr val="tx1"/>
+                </a:solidFill>
+              </a:rPr>
+              <a:t>要望出し</a:t>
+            </a:r>
+            <a:endParaRPr lang="en-US" altLang="ja-JP" sz="2000" dirty="0">
+              <a:solidFill>
+                <a:schemeClr val="tx1"/>
+              </a:solidFill>
+            </a:endParaRPr>
+          </a:p>
+          <a:p>
+            <a:endParaRPr lang="en-US" altLang="ja-JP" dirty="0"/>
+          </a:p>
+          <a:p>
+            <a:endParaRPr kumimoji="1" lang="en-US" altLang="ja-JP" dirty="0"/>
+          </a:p>
+          <a:p>
+            <a:r>
+              <a:rPr kumimoji="1" lang="ja-JP" altLang="en-US" dirty="0"/>
+              <a:t>パスワード変更</a:t>
+            </a:r>
+            <a:endParaRPr kumimoji="1" lang="en-US" altLang="ja-JP" dirty="0"/>
+          </a:p>
+          <a:p>
+            <a:r>
               <a:rPr lang="ja-JP" altLang="en-US" dirty="0"/>
-              <a:t>・</a:t>
+              <a:t>離業</a:t>
+            </a:r>
+            <a:r>
+              <a:rPr kumimoji="1" lang="ja-JP" altLang="en-US" dirty="0"/>
+              <a:t>申請</a:t>
+            </a:r>
+            <a:endParaRPr kumimoji="1" lang="en-US" altLang="ja-JP" dirty="0"/>
+          </a:p>
+          <a:p>
+            <a:endParaRPr lang="en-US" altLang="ja-JP" dirty="0"/>
+          </a:p>
+          <a:p>
+            <a:r>
+              <a:rPr kumimoji="1" lang="ja-JP" altLang="en-US"/>
+              <a:t>あってイッテカラ話す土盛り対策</a:t>
             </a:r>
             <a:endParaRPr kumimoji="1" lang="ja-JP" altLang="en-US" dirty="0"/>
           </a:p>
@@ -17455,9 +17593,10 @@
           <a:lstStyle/>
           <a:p>
             <a:r>
-              <a:rPr kumimoji="1" lang="ja-JP" altLang="en-US" dirty="0"/>
-              <a:t>議題</a:t>
-            </a:r>
+              <a:rPr lang="en-US" altLang="ja-JP" dirty="0"/>
+              <a:t>2024/08/01</a:t>
+            </a:r>
+            <a:endParaRPr kumimoji="1" lang="ja-JP" altLang="en-US" dirty="0"/>
           </a:p>
         </p:txBody>
       </p:sp>
@@ -17485,7 +17624,7 @@
             <a:fld id="{FCAFAC13-DB77-42F2-BE26-45BA5532FD50}" type="datetime4">
               <a:rPr lang="en-US" altLang="ja-JP" smtClean="0"/>
               <a:pPr/>
-              <a:t>July 30, 2024</a:t>
+              <a:t>July 31, 2024</a:t>
             </a:fld>
             <a:endParaRPr lang="en-US" dirty="0"/>
           </a:p>
@@ -17569,7 +17708,7 @@
           <a:p>
             <a:r>
               <a:rPr kumimoji="1" lang="en-US" altLang="ja-JP" dirty="0"/>
-              <a:t>24</a:t>
+              <a:t>1. 24</a:t>
             </a:r>
             <a:r>
               <a:rPr kumimoji="1" lang="ja-JP" altLang="en-US" dirty="0"/>
@@ -17602,7 +17741,7 @@
             <a:fld id="{FCAFAC13-DB77-42F2-BE26-45BA5532FD50}" type="datetime4">
               <a:rPr lang="en-US" altLang="ja-JP" smtClean="0"/>
               <a:pPr/>
-              <a:t>July 30, 2024</a:t>
+              <a:t>July 31, 2024</a:t>
             </a:fld>
             <a:endParaRPr lang="en-US" dirty="0"/>
           </a:p>
@@ -17623,7 +17762,7 @@
           <p:nvPr>
             <p:extLst>
               <p:ext uri="{D42A27DB-BD31-4B8C-83A1-F6EECF244321}">
-                <p14:modId xmlns:p14="http://schemas.microsoft.com/office/powerpoint/2010/main" val="1953950100"/>
+                <p14:modId xmlns:p14="http://schemas.microsoft.com/office/powerpoint/2010/main" val="3805596099"/>
               </p:ext>
             </p:extLst>
           </p:nvPr>
@@ -17639,14 +17778,14 @@
                 <a:tableStyleId>{5C22544A-7EE6-4342-B048-85BDC9FD1C3A}</a:tableStyleId>
               </a:tblPr>
               <a:tblGrid>
-                <a:gridCol w="1704223">
+                <a:gridCol w="2023398">
                   <a:extLst>
                     <a:ext uri="{9D8B030D-6E8A-4147-A177-3AD203B41FA5}">
                       <a16:colId xmlns:a16="http://schemas.microsoft.com/office/drawing/2014/main" val="1668638597"/>
                     </a:ext>
                   </a:extLst>
                 </a:gridCol>
-                <a:gridCol w="9637332">
+                <a:gridCol w="9318157">
                   <a:extLst>
                     <a:ext uri="{9D8B030D-6E8A-4147-A177-3AD203B41FA5}">
                       <a16:colId xmlns:a16="http://schemas.microsoft.com/office/drawing/2014/main" val="1138656750"/>
@@ -17660,6 +17799,10 @@
                     <a:bodyPr/>
                     <a:lstStyle/>
                     <a:p>
+                      <a:r>
+                        <a:rPr kumimoji="1" lang="en-US" altLang="ja-JP" sz="2400" dirty="0"/>
+                        <a:t>5W1H+Do</a:t>
+                      </a:r>
                       <a:endParaRPr kumimoji="1" lang="ja-JP" altLang="en-US" sz="2400" dirty="0"/>
                     </a:p>
                   </a:txBody>
@@ -17670,7 +17813,10 @@
                     <a:bodyPr/>
                     <a:lstStyle/>
                     <a:p>
-                      <a:endParaRPr kumimoji="1" lang="ja-JP" altLang="en-US" sz="2400"/>
+                      <a:r>
+                        <a:rPr kumimoji="1" lang="ja-JP" altLang="en-US" sz="2400" dirty="0"/>
+                        <a:t>内容</a:t>
+                      </a:r>
                     </a:p>
                   </a:txBody>
                   <a:tcPr/>
@@ -17923,7 +18069,7 @@
                       </a:r>
                       <a:r>
                         <a:rPr kumimoji="1" lang="ja-JP" altLang="en-US" sz="2400" dirty="0"/>
-                        <a:t>を使って</a:t>
+                        <a:t>（社内のネットワークに繋いだ状態）を使って</a:t>
                       </a:r>
                     </a:p>
                   </a:txBody>
@@ -17957,8 +18103,17 @@
                     <a:p>
                       <a:r>
                         <a:rPr kumimoji="1" lang="ja-JP" altLang="en-US" sz="2400" dirty="0"/>
-                        <a:t>実行できる状態</a:t>
+                        <a:t>過去のデータ</a:t>
                       </a:r>
+                      <a:r>
+                        <a:rPr kumimoji="1" lang="en-US" altLang="ja-JP" sz="2400" dirty="0"/>
+                        <a:t>※</a:t>
+                      </a:r>
+                      <a:r>
+                        <a:rPr kumimoji="1" lang="ja-JP" altLang="en-US" sz="2400" dirty="0"/>
+                        <a:t>に対しては、実行できる状態</a:t>
+                      </a:r>
+                      <a:endParaRPr kumimoji="1" lang="en-US" altLang="ja-JP" sz="2400" dirty="0"/>
                     </a:p>
                   </a:txBody>
                   <a:tcPr/>
@@ -17987,8 +18142,8 @@
         </p:nvSpPr>
         <p:spPr>
           <a:xfrm>
-            <a:off x="836704" y="5519146"/>
-            <a:ext cx="811658" cy="523220"/>
+            <a:off x="640207" y="5601256"/>
+            <a:ext cx="422601" cy="344243"/>
           </a:xfrm>
           <a:prstGeom prst="rightArrow">
             <a:avLst/>
@@ -18033,8 +18188,8 @@
         </p:nvSpPr>
         <p:spPr>
           <a:xfrm>
-            <a:off x="2041988" y="5567384"/>
-            <a:ext cx="6423918" cy="523220"/>
+            <a:off x="1259938" y="5549923"/>
+            <a:ext cx="6423918" cy="461665"/>
           </a:xfrm>
           <a:prstGeom prst="rect">
             <a:avLst/>
@@ -18048,17 +18203,18 @@
           <a:lstStyle/>
           <a:p>
             <a:r>
-              <a:rPr kumimoji="1" lang="ja-JP" altLang="en-US" sz="2800" dirty="0"/>
+              <a:rPr kumimoji="1" lang="ja-JP" altLang="en-US" sz="2400" dirty="0"/>
               <a:t>トライ用アプリが完成している（</a:t>
             </a:r>
             <a:r>
-              <a:rPr kumimoji="1" lang="en-US" altLang="ja-JP" sz="2800" dirty="0"/>
+              <a:rPr kumimoji="1" lang="en-US" altLang="ja-JP" sz="2400" dirty="0"/>
               <a:t>9/E</a:t>
             </a:r>
             <a:r>
-              <a:rPr kumimoji="1" lang="ja-JP" altLang="en-US" sz="2800" dirty="0"/>
+              <a:rPr kumimoji="1" lang="ja-JP" altLang="en-US" sz="2400" dirty="0"/>
               <a:t>）</a:t>
             </a:r>
+            <a:endParaRPr kumimoji="1" lang="en-US" altLang="ja-JP" sz="2400" dirty="0"/>
           </a:p>
         </p:txBody>
       </p:sp>
@@ -18076,17 +18232,14 @@
         </p:nvSpPr>
         <p:spPr>
           <a:xfrm>
-            <a:off x="5890563" y="104762"/>
-            <a:ext cx="5858360" cy="571975"/>
+            <a:off x="6900530" y="104762"/>
+            <a:ext cx="4848392" cy="571975"/>
           </a:xfrm>
           <a:prstGeom prst="rect">
             <a:avLst/>
           </a:prstGeom>
           <a:solidFill>
-            <a:schemeClr val="accent3">
-              <a:lumMod val="20000"/>
-              <a:lumOff val="80000"/>
-            </a:schemeClr>
+            <a:srgbClr val="FFFFCC"/>
           </a:solidFill>
           <a:ln w="12700"/>
         </p:spPr>
@@ -18111,50 +18264,132 @@
           <a:lstStyle/>
           <a:p>
             <a:r>
-              <a:rPr lang="ja-JP" altLang="en-US" sz="1200" dirty="0">
+              <a:rPr lang="en-US" altLang="ja-JP" sz="1200" b="1" dirty="0">
                 <a:solidFill>
                   <a:schemeClr val="tx1"/>
                 </a:solidFill>
               </a:rPr>
-              <a:t>備忘）</a:t>
-            </a:r>
-            <a:r>
-              <a:rPr lang="en-US" altLang="ja-JP" sz="1200" dirty="0">
+              <a:t>24</a:t>
+            </a:r>
+            <a:r>
+              <a:rPr lang="ja-JP" altLang="en-US" sz="1200" b="1" dirty="0">
                 <a:solidFill>
                   <a:schemeClr val="tx1"/>
                 </a:solidFill>
               </a:rPr>
-              <a:t>24</a:t>
-            </a:r>
-            <a:r>
-              <a:rPr lang="ja-JP" altLang="en-US" sz="1200" dirty="0">
-                <a:solidFill>
-                  <a:schemeClr val="tx1"/>
-                </a:solidFill>
-              </a:rPr>
-              <a:t>年下期は予測に取り組む。下期スケジュールは</a:t>
-            </a:r>
-            <a:r>
-              <a:rPr lang="en-US" altLang="ja-JP" sz="1200" dirty="0">
-                <a:solidFill>
-                  <a:schemeClr val="tx1"/>
-                </a:solidFill>
-              </a:rPr>
-              <a:t>10</a:t>
-            </a:r>
-            <a:r>
-              <a:rPr lang="ja-JP" altLang="en-US" sz="1200" dirty="0">
-                <a:solidFill>
-                  <a:schemeClr val="tx1"/>
-                </a:solidFill>
-              </a:rPr>
-              <a:t>月頭で作成する予定。</a:t>
-            </a:r>
-            <a:endParaRPr lang="en-US" altLang="ja-JP" sz="1200" dirty="0">
+              <a:t>年度の上期のマイルストーンについて認識合わせさせてください</a:t>
+            </a:r>
+            <a:endParaRPr lang="en-US" altLang="ja-JP" sz="1200" b="1" dirty="0">
               <a:solidFill>
                 <a:schemeClr val="tx1"/>
               </a:solidFill>
             </a:endParaRPr>
+          </a:p>
+        </p:txBody>
+      </p:sp>
+      <p:sp>
+        <p:nvSpPr>
+          <p:cNvPr id="12" name="テキスト ボックス 11">
+            <a:extLst>
+              <a:ext uri="{FF2B5EF4-FFF2-40B4-BE49-F238E27FC236}">
+                <a16:creationId xmlns:a16="http://schemas.microsoft.com/office/drawing/2014/main" id="{A02FF8E6-DEE8-7EDE-310E-D4D6242D1AF3}"/>
+              </a:ext>
+            </a:extLst>
+          </p:cNvPr>
+          <p:cNvSpPr txBox="1"/>
+          <p:nvPr/>
+        </p:nvSpPr>
+        <p:spPr>
+          <a:xfrm>
+            <a:off x="1360200" y="6007387"/>
+            <a:ext cx="8986957" cy="369332"/>
+          </a:xfrm>
+          <a:prstGeom prst="rect">
+            <a:avLst/>
+          </a:prstGeom>
+          <a:noFill/>
+        </p:spPr>
+        <p:txBody>
+          <a:bodyPr wrap="square">
+            <a:spAutoFit/>
+          </a:bodyPr>
+          <a:lstStyle/>
+          <a:p>
+            <a:r>
+              <a:rPr kumimoji="1" lang="en-US" altLang="ja-JP" sz="1800" dirty="0">
+                <a:solidFill>
+                  <a:schemeClr val="bg1">
+                    <a:lumMod val="85000"/>
+                  </a:schemeClr>
+                </a:solidFill>
+              </a:rPr>
+              <a:t>※</a:t>
+            </a:r>
+            <a:r>
+              <a:rPr kumimoji="1" lang="ja-JP" altLang="en-US" sz="1800" dirty="0">
+                <a:solidFill>
+                  <a:schemeClr val="bg1">
+                    <a:lumMod val="85000"/>
+                  </a:schemeClr>
+                </a:solidFill>
+              </a:rPr>
+              <a:t>下期のマイルストーンは後日相談させてください</a:t>
+            </a:r>
+            <a:endParaRPr kumimoji="1" lang="en-US" altLang="ja-JP" sz="1800" dirty="0">
+              <a:solidFill>
+                <a:schemeClr val="bg1">
+                  <a:lumMod val="85000"/>
+                </a:schemeClr>
+              </a:solidFill>
+            </a:endParaRPr>
+          </a:p>
+        </p:txBody>
+      </p:sp>
+      <p:sp>
+        <p:nvSpPr>
+          <p:cNvPr id="14" name="テキスト ボックス 13">
+            <a:extLst>
+              <a:ext uri="{FF2B5EF4-FFF2-40B4-BE49-F238E27FC236}">
+                <a16:creationId xmlns:a16="http://schemas.microsoft.com/office/drawing/2014/main" id="{31418651-77FC-C6FC-71BB-31166E386DDA}"/>
+              </a:ext>
+            </a:extLst>
+          </p:cNvPr>
+          <p:cNvSpPr txBox="1"/>
+          <p:nvPr/>
+        </p:nvSpPr>
+        <p:spPr>
+          <a:xfrm>
+            <a:off x="9414410" y="5156516"/>
+            <a:ext cx="2370221" cy="276999"/>
+          </a:xfrm>
+          <a:prstGeom prst="rect">
+            <a:avLst/>
+          </a:prstGeom>
+          <a:noFill/>
+        </p:spPr>
+        <p:txBody>
+          <a:bodyPr wrap="square">
+            <a:spAutoFit/>
+          </a:bodyPr>
+          <a:lstStyle/>
+          <a:p>
+            <a:r>
+              <a:rPr kumimoji="1" lang="en-US" altLang="ja-JP" sz="1200" dirty="0"/>
+              <a:t>※</a:t>
+            </a:r>
+            <a:r>
+              <a:rPr kumimoji="1" lang="ja-JP" altLang="en-US" sz="1200" dirty="0"/>
+              <a:t>分析日の</a:t>
+            </a:r>
+            <a:r>
+              <a:rPr kumimoji="1" lang="en-US" altLang="ja-JP" sz="1200" dirty="0"/>
+              <a:t>1</a:t>
+            </a:r>
+            <a:r>
+              <a:rPr kumimoji="1" lang="ja-JP" altLang="en-US" sz="1200" dirty="0"/>
+              <a:t>日前以降のデータ</a:t>
+            </a:r>
+            <a:endParaRPr lang="ja-JP" altLang="en-US" sz="1200" dirty="0"/>
           </a:p>
         </p:txBody>
       </p:sp>
@@ -18190,934 +18425,6 @@
       </p:grpSpPr>
       <p:sp>
         <p:nvSpPr>
-          <p:cNvPr id="2" name="テキスト プレースホルダー 1">
-            <a:extLst>
-              <a:ext uri="{FF2B5EF4-FFF2-40B4-BE49-F238E27FC236}">
-                <a16:creationId xmlns:a16="http://schemas.microsoft.com/office/drawing/2014/main" id="{4915AD15-485C-B810-5FEE-21D1A656E96D}"/>
-              </a:ext>
-            </a:extLst>
-          </p:cNvPr>
-          <p:cNvSpPr>
-            <a:spLocks noGrp="1"/>
-          </p:cNvSpPr>
-          <p:nvPr>
-            <p:ph type="body" sz="quarter" idx="18"/>
-          </p:nvPr>
-        </p:nvSpPr>
-        <p:spPr/>
-        <p:txBody>
-          <a:bodyPr/>
-          <a:lstStyle/>
-          <a:p>
-            <a:endParaRPr kumimoji="1" lang="ja-JP" altLang="en-US" dirty="0"/>
-          </a:p>
-        </p:txBody>
-      </p:sp>
-      <p:sp>
-        <p:nvSpPr>
-          <p:cNvPr id="3" name="テキスト プレースホルダー 2">
-            <a:extLst>
-              <a:ext uri="{FF2B5EF4-FFF2-40B4-BE49-F238E27FC236}">
-                <a16:creationId xmlns:a16="http://schemas.microsoft.com/office/drawing/2014/main" id="{5A905325-8A5D-58C5-D6BE-473444E7244A}"/>
-              </a:ext>
-            </a:extLst>
-          </p:cNvPr>
-          <p:cNvSpPr>
-            <a:spLocks noGrp="1"/>
-          </p:cNvSpPr>
-          <p:nvPr>
-            <p:ph type="body" sz="quarter" idx="20"/>
-          </p:nvPr>
-        </p:nvSpPr>
-        <p:spPr/>
-        <p:txBody>
-          <a:bodyPr/>
-          <a:lstStyle/>
-          <a:p>
-            <a:r>
-              <a:rPr lang="ja-JP" altLang="en-US" dirty="0"/>
-              <a:t>要因粒度（最小粒度）</a:t>
-            </a:r>
-            <a:endParaRPr kumimoji="1" lang="ja-JP" altLang="en-US" dirty="0"/>
-          </a:p>
-        </p:txBody>
-      </p:sp>
-      <p:sp>
-        <p:nvSpPr>
-          <p:cNvPr id="4" name="日付プレースホルダー 3">
-            <a:extLst>
-              <a:ext uri="{FF2B5EF4-FFF2-40B4-BE49-F238E27FC236}">
-                <a16:creationId xmlns:a16="http://schemas.microsoft.com/office/drawing/2014/main" id="{FD45D0AF-E82E-8ACC-B0B7-87B6374F3CB0}"/>
-              </a:ext>
-            </a:extLst>
-          </p:cNvPr>
-          <p:cNvSpPr>
-            <a:spLocks noGrp="1"/>
-          </p:cNvSpPr>
-          <p:nvPr>
-            <p:ph type="dt" sz="half" idx="19"/>
-          </p:nvPr>
-        </p:nvSpPr>
-        <p:spPr/>
-        <p:txBody>
-          <a:bodyPr/>
-          <a:lstStyle/>
-          <a:p>
-            <a:fld id="{FCAFAC13-DB77-42F2-BE26-45BA5532FD50}" type="datetime4">
-              <a:rPr lang="en-US" altLang="ja-JP" smtClean="0"/>
-              <a:pPr/>
-              <a:t>July 30, 2024</a:t>
-            </a:fld>
-            <a:endParaRPr lang="en-US" dirty="0"/>
-          </a:p>
-        </p:txBody>
-      </p:sp>
-      <p:graphicFrame>
-        <p:nvGraphicFramePr>
-          <p:cNvPr id="5" name="表 5">
-            <a:extLst>
-              <a:ext uri="{FF2B5EF4-FFF2-40B4-BE49-F238E27FC236}">
-                <a16:creationId xmlns:a16="http://schemas.microsoft.com/office/drawing/2014/main" id="{B3B00E96-EAE9-73B4-1C58-29CCD6D5C712}"/>
-              </a:ext>
-            </a:extLst>
-          </p:cNvPr>
-          <p:cNvGraphicFramePr>
-            <a:graphicFrameLocks noGrp="1"/>
-          </p:cNvGraphicFramePr>
-          <p:nvPr>
-            <p:extLst>
-              <p:ext uri="{D42A27DB-BD31-4B8C-83A1-F6EECF244321}">
-                <p14:modId xmlns:p14="http://schemas.microsoft.com/office/powerpoint/2010/main" val="3653212118"/>
-              </p:ext>
-            </p:extLst>
-          </p:nvPr>
-        </p:nvGraphicFramePr>
-        <p:xfrm>
-          <a:off x="443076" y="768062"/>
-          <a:ext cx="11341556" cy="5641570"/>
-        </p:xfrm>
-        <a:graphic>
-          <a:graphicData uri="http://schemas.openxmlformats.org/drawingml/2006/table">
-            <a:tbl>
-              <a:tblPr firstRow="1" bandRow="1">
-                <a:tableStyleId>{5C22544A-7EE6-4342-B048-85BDC9FD1C3A}</a:tableStyleId>
-              </a:tblPr>
-              <a:tblGrid>
-                <a:gridCol w="2663612">
-                  <a:extLst>
-                    <a:ext uri="{9D8B030D-6E8A-4147-A177-3AD203B41FA5}">
-                      <a16:colId xmlns:a16="http://schemas.microsoft.com/office/drawing/2014/main" val="3789161329"/>
-                    </a:ext>
-                  </a:extLst>
-                </a:gridCol>
-                <a:gridCol w="4725347">
-                  <a:extLst>
-                    <a:ext uri="{9D8B030D-6E8A-4147-A177-3AD203B41FA5}">
-                      <a16:colId xmlns:a16="http://schemas.microsoft.com/office/drawing/2014/main" val="2432716253"/>
-                    </a:ext>
-                  </a:extLst>
-                </a:gridCol>
-                <a:gridCol w="3952597">
-                  <a:extLst>
-                    <a:ext uri="{9D8B030D-6E8A-4147-A177-3AD203B41FA5}">
-                      <a16:colId xmlns:a16="http://schemas.microsoft.com/office/drawing/2014/main" val="1140387231"/>
-                    </a:ext>
-                  </a:extLst>
-                </a:gridCol>
-              </a:tblGrid>
-              <a:tr h="213822">
-                <a:tc>
-                  <a:txBody>
-                    <a:bodyPr/>
-                    <a:lstStyle/>
-                    <a:p>
-                      <a:r>
-                        <a:rPr kumimoji="1" lang="ja-JP" altLang="en-US" sz="1000" dirty="0"/>
-                        <a:t>要因</a:t>
-                      </a:r>
-                    </a:p>
-                  </a:txBody>
-                  <a:tcPr/>
-                </a:tc>
-                <a:tc>
-                  <a:txBody>
-                    <a:bodyPr/>
-                    <a:lstStyle/>
-                    <a:p>
-                      <a:r>
-                        <a:rPr kumimoji="1" lang="ja-JP" altLang="en-US" sz="1000" dirty="0"/>
-                        <a:t>要因分析の結果（棒グラフの結果）を見た時</a:t>
-                      </a:r>
-                    </a:p>
-                  </a:txBody>
-                  <a:tcPr/>
-                </a:tc>
-                <a:tc>
-                  <a:txBody>
-                    <a:bodyPr/>
-                    <a:lstStyle/>
-                    <a:p>
-                      <a:r>
-                        <a:rPr kumimoji="1" lang="ja-JP" altLang="en-US" sz="1000" dirty="0"/>
-                        <a:t>分からない粒度</a:t>
-                      </a:r>
-                    </a:p>
-                  </a:txBody>
-                  <a:tcPr/>
-                </a:tc>
-                <a:extLst>
-                  <a:ext uri="{0D108BD9-81ED-4DB2-BD59-A6C34878D82A}">
-                    <a16:rowId xmlns:a16="http://schemas.microsoft.com/office/drawing/2014/main" val="917483954"/>
-                  </a:ext>
-                </a:extLst>
-              </a:tr>
-              <a:tr h="561282">
-                <a:tc>
-                  <a:txBody>
-                    <a:bodyPr/>
-                    <a:lstStyle/>
-                    <a:p>
-                      <a:r>
-                        <a:rPr kumimoji="1" lang="ja-JP" altLang="en-US" sz="1200" dirty="0"/>
-                        <a:t>➀発注かんばん数</a:t>
-                      </a:r>
-                      <a:endParaRPr kumimoji="1" lang="en-US" altLang="ja-JP" sz="1200" dirty="0"/>
-                    </a:p>
-                  </a:txBody>
-                  <a:tcPr/>
-                </a:tc>
-                <a:tc>
-                  <a:txBody>
-                    <a:bodyPr/>
-                    <a:lstStyle/>
-                    <a:p>
-                      <a:r>
-                        <a:rPr kumimoji="1" lang="ja-JP" altLang="en-US" sz="1200" dirty="0"/>
-                        <a:t>在庫増に関係している　→　かんばん数多い</a:t>
-                      </a:r>
-                      <a:endParaRPr kumimoji="1" lang="en-US" altLang="ja-JP" sz="1200" dirty="0"/>
-                    </a:p>
-                    <a:p>
-                      <a:r>
-                        <a:rPr kumimoji="1" lang="ja-JP" altLang="en-US" sz="1200" dirty="0"/>
-                        <a:t>在庫減に関係している　→　かんばん数少ない</a:t>
-                      </a:r>
-                      <a:endParaRPr kumimoji="1" lang="en-US" altLang="ja-JP" sz="1200" dirty="0"/>
-                    </a:p>
-                  </a:txBody>
-                  <a:tcPr/>
-                </a:tc>
-                <a:tc>
-                  <a:txBody>
-                    <a:bodyPr/>
-                    <a:lstStyle/>
-                    <a:p>
-                      <a:pPr marL="0" marR="0" lvl="0" indent="0" algn="l" defTabSz="914400" rtl="0" eaLnBrk="1" fontAlgn="auto" latinLnBrk="0" hangingPunct="1">
-                        <a:lnSpc>
-                          <a:spcPct val="100000"/>
-                        </a:lnSpc>
-                        <a:spcBef>
-                          <a:spcPts val="0"/>
-                        </a:spcBef>
-                        <a:spcAft>
-                          <a:spcPts val="0"/>
-                        </a:spcAft>
-                        <a:buClrTx/>
-                        <a:buSzTx/>
-                        <a:buFontTx/>
-                        <a:buNone/>
-                        <a:tabLst/>
-                        <a:defRPr/>
-                      </a:pPr>
-                      <a:r>
-                        <a:rPr lang="ja-JP" altLang="en-US" sz="1200" dirty="0"/>
-                        <a:t>かんばん</a:t>
-                      </a:r>
-                      <a:r>
-                        <a:rPr kumimoji="1" lang="ja-JP" altLang="en-US" sz="1200" dirty="0"/>
-                        <a:t>増減数、回収かんばん数</a:t>
-                      </a:r>
-                    </a:p>
-                    <a:p>
-                      <a:r>
-                        <a:rPr kumimoji="1" lang="en-US" altLang="ja-JP" sz="1200" dirty="0"/>
-                        <a:t>※</a:t>
-                      </a:r>
-                      <a:r>
-                        <a:rPr kumimoji="1" lang="ja-JP" altLang="en-US" sz="1200" dirty="0"/>
-                        <a:t>かんばん増減数は日単位でしかわからない。</a:t>
-                      </a:r>
-                      <a:r>
-                        <a:rPr kumimoji="1" lang="en-US" altLang="ja-JP" sz="1200" dirty="0"/>
-                        <a:t>Active</a:t>
-                      </a:r>
-                      <a:r>
-                        <a:rPr kumimoji="1" lang="ja-JP" altLang="en-US" sz="1200" dirty="0"/>
-                        <a:t>からテーブル形式で抽出できない</a:t>
-                      </a:r>
-                      <a:endParaRPr kumimoji="1" lang="en-US" altLang="ja-JP" sz="1200" dirty="0"/>
-                    </a:p>
-                  </a:txBody>
-                  <a:tcPr/>
-                </a:tc>
-                <a:extLst>
-                  <a:ext uri="{0D108BD9-81ED-4DB2-BD59-A6C34878D82A}">
-                    <a16:rowId xmlns:a16="http://schemas.microsoft.com/office/drawing/2014/main" val="389185180"/>
-                  </a:ext>
-                </a:extLst>
-              </a:tr>
-              <a:tr h="721648">
-                <a:tc>
-                  <a:txBody>
-                    <a:bodyPr/>
-                    <a:lstStyle/>
-                    <a:p>
-                      <a:r>
-                        <a:rPr kumimoji="1" lang="ja-JP" altLang="en-US" sz="1200" dirty="0"/>
-                        <a:t>➁計画組立生産台数</a:t>
-                      </a:r>
-                    </a:p>
-                  </a:txBody>
-                  <a:tcPr/>
-                </a:tc>
-                <a:tc>
-                  <a:txBody>
-                    <a:bodyPr/>
-                    <a:lstStyle/>
-                    <a:p>
-                      <a:r>
-                        <a:rPr kumimoji="1" lang="ja-JP" altLang="en-US" sz="1200" dirty="0"/>
-                        <a:t>在庫増に関係している　→　計画組立生産台数が少ない（控えめな計画？</a:t>
-                      </a:r>
-                      <a:endParaRPr kumimoji="1" lang="en-US" altLang="ja-JP" sz="1200" dirty="0"/>
-                    </a:p>
-                    <a:p>
-                      <a:r>
-                        <a:rPr kumimoji="1" lang="ja-JP" altLang="en-US" sz="1200" dirty="0"/>
-                        <a:t>在庫減に関係している　→　計画組立生産台数が多い（攻めた計画？</a:t>
-                      </a:r>
-                      <a:endParaRPr kumimoji="1" lang="en-US" altLang="ja-JP" sz="1200" dirty="0"/>
-                    </a:p>
-                  </a:txBody>
-                  <a:tcPr/>
-                </a:tc>
-                <a:tc>
-                  <a:txBody>
-                    <a:bodyPr/>
-                    <a:lstStyle/>
-                    <a:p>
-                      <a:r>
-                        <a:rPr kumimoji="1" lang="ja-JP" altLang="en-US" sz="1200" dirty="0"/>
-                        <a:t>流動機種</a:t>
-                      </a:r>
-                      <a:endParaRPr kumimoji="1" lang="en-US" altLang="ja-JP" sz="1200" dirty="0"/>
-                    </a:p>
-                  </a:txBody>
-                  <a:tcPr/>
-                </a:tc>
-                <a:extLst>
-                  <a:ext uri="{0D108BD9-81ED-4DB2-BD59-A6C34878D82A}">
-                    <a16:rowId xmlns:a16="http://schemas.microsoft.com/office/drawing/2014/main" val="2125889769"/>
-                  </a:ext>
-                </a:extLst>
-              </a:tr>
-              <a:tr h="721648">
-                <a:tc>
-                  <a:txBody>
-                    <a:bodyPr/>
-                    <a:lstStyle/>
-                    <a:p>
-                      <a:r>
-                        <a:rPr kumimoji="1" lang="ja-JP" altLang="en-US" sz="1200" dirty="0"/>
-                        <a:t>➂組立生産稼働率</a:t>
-                      </a:r>
-                    </a:p>
-                  </a:txBody>
-                  <a:tcPr/>
-                </a:tc>
-                <a:tc>
-                  <a:txBody>
-                    <a:bodyPr/>
-                    <a:lstStyle/>
-                    <a:p>
-                      <a:r>
-                        <a:rPr kumimoji="1" lang="ja-JP" altLang="en-US" sz="1200" dirty="0"/>
-                        <a:t>在庫増に関係している　→　組立生産稼働率が低い（不調生産？</a:t>
-                      </a:r>
-                      <a:endParaRPr kumimoji="1" lang="en-US" altLang="ja-JP" sz="1200" dirty="0"/>
-                    </a:p>
-                    <a:p>
-                      <a:r>
-                        <a:rPr kumimoji="1" lang="ja-JP" altLang="en-US" sz="1200" dirty="0"/>
-                        <a:t>在庫減に関係している　→　組立生産稼働率が高い（好調生産？</a:t>
-                      </a:r>
-                      <a:endParaRPr kumimoji="1" lang="en-US" altLang="ja-JP" sz="1200" dirty="0"/>
-                    </a:p>
-                  </a:txBody>
-                  <a:tcPr/>
-                </a:tc>
-                <a:tc>
-                  <a:txBody>
-                    <a:bodyPr/>
-                    <a:lstStyle/>
-                    <a:p>
-                      <a:endParaRPr kumimoji="1" lang="en-US" altLang="ja-JP" sz="1200" dirty="0"/>
-                    </a:p>
-                  </a:txBody>
-                  <a:tcPr/>
-                </a:tc>
-                <a:extLst>
-                  <a:ext uri="{0D108BD9-81ED-4DB2-BD59-A6C34878D82A}">
-                    <a16:rowId xmlns:a16="http://schemas.microsoft.com/office/drawing/2014/main" val="907354703"/>
-                  </a:ext>
-                </a:extLst>
-              </a:tr>
-              <a:tr h="561282">
-                <a:tc>
-                  <a:txBody>
-                    <a:bodyPr/>
-                    <a:lstStyle/>
-                    <a:p>
-                      <a:r>
-                        <a:rPr kumimoji="1" lang="ja-JP" altLang="en-US" sz="1200" dirty="0"/>
-                        <a:t>➃間口の充足率</a:t>
-                      </a:r>
-                    </a:p>
-                  </a:txBody>
-                  <a:tcPr/>
-                </a:tc>
-                <a:tc>
-                  <a:txBody>
-                    <a:bodyPr/>
-                    <a:lstStyle/>
-                    <a:p>
-                      <a:r>
-                        <a:rPr kumimoji="1" lang="ja-JP" altLang="en-US" sz="1200" dirty="0"/>
-                        <a:t>在庫増に関係している　→　？？？？？</a:t>
-                      </a:r>
-                      <a:endParaRPr kumimoji="1" lang="en-US" altLang="ja-JP" sz="1200" dirty="0"/>
-                    </a:p>
-                    <a:p>
-                      <a:r>
-                        <a:rPr kumimoji="1" lang="ja-JP" altLang="en-US" sz="1200" dirty="0"/>
-                        <a:t>在庫減に関係している　→　間口のキャパ越えで入庫しなかった</a:t>
-                      </a:r>
-                      <a:endParaRPr kumimoji="1" lang="en-US" altLang="ja-JP" sz="1200" dirty="0"/>
-                    </a:p>
-                  </a:txBody>
-                  <a:tcPr/>
-                </a:tc>
-                <a:tc>
-                  <a:txBody>
-                    <a:bodyPr/>
-                    <a:lstStyle/>
-                    <a:p>
-                      <a:endParaRPr kumimoji="1" lang="en-US" altLang="ja-JP" sz="1200" dirty="0"/>
-                    </a:p>
-                  </a:txBody>
-                  <a:tcPr/>
-                </a:tc>
-                <a:extLst>
-                  <a:ext uri="{0D108BD9-81ED-4DB2-BD59-A6C34878D82A}">
-                    <a16:rowId xmlns:a16="http://schemas.microsoft.com/office/drawing/2014/main" val="2945687504"/>
-                  </a:ext>
-                </a:extLst>
-              </a:tr>
-              <a:tr h="434543">
-                <a:tc>
-                  <a:txBody>
-                    <a:bodyPr/>
-                    <a:lstStyle/>
-                    <a:p>
-                      <a:r>
-                        <a:rPr kumimoji="1" lang="ja-JP" altLang="en-US" sz="1200" dirty="0"/>
-                        <a:t>⑤部品置き場の流れ状況</a:t>
-                      </a:r>
-                    </a:p>
-                  </a:txBody>
-                  <a:tcPr/>
-                </a:tc>
-                <a:tc>
-                  <a:txBody>
-                    <a:bodyPr/>
-                    <a:lstStyle/>
-                    <a:p>
-                      <a:r>
-                        <a:rPr kumimoji="1" lang="ja-JP" altLang="en-US" sz="1200" dirty="0"/>
-                        <a:t>在庫増に関係している　→　部品置き場から入庫</a:t>
-                      </a:r>
-                      <a:endParaRPr kumimoji="1" lang="en-US" altLang="ja-JP" sz="1200" dirty="0"/>
-                    </a:p>
-                    <a:p>
-                      <a:r>
-                        <a:rPr kumimoji="1" lang="ja-JP" altLang="en-US" sz="1200" dirty="0"/>
-                        <a:t>在庫減に関係している　→　部品置き場で滞留</a:t>
-                      </a:r>
-                      <a:endParaRPr kumimoji="1" lang="en-US" altLang="ja-JP" sz="1200" dirty="0">
-                        <a:solidFill>
-                          <a:srgbClr val="FF0000"/>
-                        </a:solidFill>
-                      </a:endParaRPr>
-                    </a:p>
-                  </a:txBody>
-                  <a:tcPr/>
-                </a:tc>
-                <a:tc>
-                  <a:txBody>
-                    <a:bodyPr/>
-                    <a:lstStyle/>
-                    <a:p>
-                      <a:endParaRPr kumimoji="1" lang="en-US" altLang="ja-JP" sz="1200" dirty="0">
-                        <a:solidFill>
-                          <a:srgbClr val="FF0000"/>
-                        </a:solidFill>
-                      </a:endParaRPr>
-                    </a:p>
-                  </a:txBody>
-                  <a:tcPr/>
-                </a:tc>
-                <a:extLst>
-                  <a:ext uri="{0D108BD9-81ED-4DB2-BD59-A6C34878D82A}">
-                    <a16:rowId xmlns:a16="http://schemas.microsoft.com/office/drawing/2014/main" val="411194849"/>
-                  </a:ext>
-                </a:extLst>
-              </a:tr>
-              <a:tr h="561282">
-                <a:tc>
-                  <a:txBody>
-                    <a:bodyPr/>
-                    <a:lstStyle/>
-                    <a:p>
-                      <a:r>
-                        <a:rPr kumimoji="1" lang="ja-JP" altLang="en-US" sz="1200" dirty="0"/>
-                        <a:t>⑥定期便のモノ有無</a:t>
-                      </a:r>
-                      <a:endParaRPr kumimoji="1" lang="en-US" altLang="ja-JP" sz="1200" dirty="0"/>
-                    </a:p>
-                  </a:txBody>
-                  <a:tcPr/>
-                </a:tc>
-                <a:tc>
-                  <a:txBody>
-                    <a:bodyPr/>
-                    <a:lstStyle/>
-                    <a:p>
-                      <a:r>
-                        <a:rPr kumimoji="1" lang="ja-JP" altLang="en-US" sz="1200" dirty="0"/>
-                        <a:t>在庫増に関係している　→　定期便にモノがある</a:t>
-                      </a:r>
-                      <a:endParaRPr kumimoji="1" lang="en-US" altLang="ja-JP" sz="1200" dirty="0"/>
-                    </a:p>
-                    <a:p>
-                      <a:r>
-                        <a:rPr kumimoji="1" lang="ja-JP" altLang="en-US" sz="1200" dirty="0"/>
-                        <a:t>在庫減に関係している　→　定期便にモノがない</a:t>
-                      </a:r>
-                      <a:endParaRPr kumimoji="1" lang="en-US" altLang="ja-JP" sz="1200" dirty="0">
-                        <a:solidFill>
-                          <a:srgbClr val="FF0000"/>
-                        </a:solidFill>
-                      </a:endParaRPr>
-                    </a:p>
-                    <a:p>
-                      <a:endParaRPr kumimoji="1" lang="ja-JP" altLang="en-US" sz="1200" dirty="0"/>
-                    </a:p>
-                  </a:txBody>
-                  <a:tcPr/>
-                </a:tc>
-                <a:tc>
-                  <a:txBody>
-                    <a:bodyPr/>
-                    <a:lstStyle/>
-                    <a:p>
-                      <a:endParaRPr kumimoji="1" lang="ja-JP" altLang="en-US" sz="1200" dirty="0"/>
-                    </a:p>
-                  </a:txBody>
-                  <a:tcPr/>
-                </a:tc>
-                <a:extLst>
-                  <a:ext uri="{0D108BD9-81ED-4DB2-BD59-A6C34878D82A}">
-                    <a16:rowId xmlns:a16="http://schemas.microsoft.com/office/drawing/2014/main" val="2918444002"/>
-                  </a:ext>
-                </a:extLst>
-              </a:tr>
-              <a:tr h="561282">
-                <a:tc>
-                  <a:txBody>
-                    <a:bodyPr/>
-                    <a:lstStyle/>
-                    <a:p>
-                      <a:r>
-                        <a:rPr kumimoji="1" lang="ja-JP" altLang="en-US" sz="1200" dirty="0"/>
-                        <a:t>⑦定期便出発</a:t>
-                      </a:r>
-                      <a:endParaRPr kumimoji="1" lang="en-US" altLang="ja-JP" sz="1200" dirty="0"/>
-                    </a:p>
-                  </a:txBody>
-                  <a:tcPr/>
-                </a:tc>
-                <a:tc>
-                  <a:txBody>
-                    <a:bodyPr/>
-                    <a:lstStyle/>
-                    <a:p>
-                      <a:r>
-                        <a:rPr kumimoji="1" lang="ja-JP" altLang="en-US" sz="1200" dirty="0"/>
-                        <a:t>在庫増に関係している　→　早着</a:t>
-                      </a:r>
-                      <a:endParaRPr kumimoji="1" lang="en-US" altLang="ja-JP" sz="1200" dirty="0"/>
-                    </a:p>
-                    <a:p>
-                      <a:r>
-                        <a:rPr kumimoji="1" lang="ja-JP" altLang="en-US" sz="1200" dirty="0"/>
-                        <a:t>在庫減に関係している　→　遅れ</a:t>
-                      </a:r>
-                      <a:endParaRPr kumimoji="1" lang="en-US" altLang="ja-JP" sz="1200" dirty="0">
-                        <a:solidFill>
-                          <a:srgbClr val="FF0000"/>
-                        </a:solidFill>
-                      </a:endParaRPr>
-                    </a:p>
-                    <a:p>
-                      <a:endParaRPr kumimoji="1" lang="ja-JP" altLang="en-US" sz="1200" dirty="0"/>
-                    </a:p>
-                  </a:txBody>
-                  <a:tcPr/>
-                </a:tc>
-                <a:tc>
-                  <a:txBody>
-                    <a:bodyPr/>
-                    <a:lstStyle/>
-                    <a:p>
-                      <a:endParaRPr kumimoji="1" lang="ja-JP" altLang="en-US" sz="1200" dirty="0"/>
-                    </a:p>
-                  </a:txBody>
-                  <a:tcPr/>
-                </a:tc>
-                <a:extLst>
-                  <a:ext uri="{0D108BD9-81ED-4DB2-BD59-A6C34878D82A}">
-                    <a16:rowId xmlns:a16="http://schemas.microsoft.com/office/drawing/2014/main" val="400800268"/>
-                  </a:ext>
-                </a:extLst>
-              </a:tr>
-              <a:tr h="400916">
-                <a:tc>
-                  <a:txBody>
-                    <a:bodyPr/>
-                    <a:lstStyle/>
-                    <a:p>
-                      <a:r>
-                        <a:rPr kumimoji="1" lang="ja-JP" altLang="en-US" sz="1200" dirty="0"/>
-                        <a:t>⑧仕入先便到着</a:t>
-                      </a:r>
-                      <a:endParaRPr kumimoji="1" lang="en-US" altLang="ja-JP" sz="1200" dirty="0"/>
-                    </a:p>
-                  </a:txBody>
-                  <a:tcPr/>
-                </a:tc>
-                <a:tc>
-                  <a:txBody>
-                    <a:bodyPr/>
-                    <a:lstStyle/>
-                    <a:p>
-                      <a:r>
-                        <a:rPr kumimoji="1" lang="ja-JP" altLang="en-US" sz="1200" dirty="0"/>
-                        <a:t>在庫増に関係している　→　早着</a:t>
-                      </a:r>
-                      <a:endParaRPr kumimoji="1" lang="en-US" altLang="ja-JP" sz="1200" dirty="0"/>
-                    </a:p>
-                    <a:p>
-                      <a:r>
-                        <a:rPr kumimoji="1" lang="ja-JP" altLang="en-US" sz="1200" dirty="0"/>
-                        <a:t>在庫減に関係している　→　遅れ</a:t>
-                      </a:r>
-                      <a:endParaRPr kumimoji="1" lang="en-US" altLang="ja-JP" sz="1200" dirty="0">
-                        <a:solidFill>
-                          <a:srgbClr val="FF0000"/>
-                        </a:solidFill>
-                      </a:endParaRPr>
-                    </a:p>
-                  </a:txBody>
-                  <a:tcPr/>
-                </a:tc>
-                <a:tc>
-                  <a:txBody>
-                    <a:bodyPr/>
-                    <a:lstStyle/>
-                    <a:p>
-                      <a:endParaRPr kumimoji="1" lang="en-US" altLang="ja-JP" sz="1200" dirty="0">
-                        <a:solidFill>
-                          <a:srgbClr val="FF0000"/>
-                        </a:solidFill>
-                      </a:endParaRPr>
-                    </a:p>
-                  </a:txBody>
-                  <a:tcPr/>
-                </a:tc>
-                <a:extLst>
-                  <a:ext uri="{0D108BD9-81ED-4DB2-BD59-A6C34878D82A}">
-                    <a16:rowId xmlns:a16="http://schemas.microsoft.com/office/drawing/2014/main" val="436841368"/>
-                  </a:ext>
-                </a:extLst>
-              </a:tr>
-              <a:tr h="400916">
-                <a:tc>
-                  <a:txBody>
-                    <a:bodyPr/>
-                    <a:lstStyle/>
-                    <a:p>
-                      <a:r>
-                        <a:rPr kumimoji="1" lang="ja-JP" altLang="en-US" sz="1200" dirty="0"/>
-                        <a:t>⑨納入フレ</a:t>
-                      </a:r>
-                      <a:endParaRPr kumimoji="1" lang="en-US" altLang="ja-JP" sz="1200" dirty="0"/>
-                    </a:p>
-                    <a:p>
-                      <a:r>
-                        <a:rPr kumimoji="1" lang="ja-JP" altLang="en-US" sz="1200" dirty="0"/>
-                        <a:t>（検収スタンプが怪しい）</a:t>
-                      </a:r>
-                      <a:endParaRPr kumimoji="1" lang="en-US" altLang="ja-JP" sz="1200" dirty="0"/>
-                    </a:p>
-                  </a:txBody>
-                  <a:tcPr/>
-                </a:tc>
-                <a:tc>
-                  <a:txBody>
-                    <a:bodyPr/>
-                    <a:lstStyle/>
-                    <a:p>
-                      <a:r>
-                        <a:rPr kumimoji="1" lang="ja-JP" altLang="en-US" sz="1200" dirty="0"/>
-                        <a:t>在庫増に関係している　→　挽回</a:t>
-                      </a:r>
-                      <a:endParaRPr kumimoji="1" lang="en-US" altLang="ja-JP" sz="1200" dirty="0"/>
-                    </a:p>
-                    <a:p>
-                      <a:r>
-                        <a:rPr kumimoji="1" lang="ja-JP" altLang="en-US" sz="1200" dirty="0"/>
-                        <a:t>在庫減に関係している　→　未納</a:t>
-                      </a:r>
-                      <a:endParaRPr kumimoji="1" lang="en-US" altLang="ja-JP" sz="1200" dirty="0">
-                        <a:solidFill>
-                          <a:srgbClr val="FF0000"/>
-                        </a:solidFill>
-                      </a:endParaRPr>
-                    </a:p>
-                  </a:txBody>
-                  <a:tcPr/>
-                </a:tc>
-                <a:tc>
-                  <a:txBody>
-                    <a:bodyPr/>
-                    <a:lstStyle/>
-                    <a:p>
-                      <a:endParaRPr kumimoji="1" lang="en-US" altLang="ja-JP" sz="1200" dirty="0">
-                        <a:solidFill>
-                          <a:srgbClr val="FF0000"/>
-                        </a:solidFill>
-                      </a:endParaRPr>
-                    </a:p>
-                  </a:txBody>
-                  <a:tcPr/>
-                </a:tc>
-                <a:extLst>
-                  <a:ext uri="{0D108BD9-81ED-4DB2-BD59-A6C34878D82A}">
-                    <a16:rowId xmlns:a16="http://schemas.microsoft.com/office/drawing/2014/main" val="2470708800"/>
-                  </a:ext>
-                </a:extLst>
-              </a:tr>
-            </a:tbl>
-          </a:graphicData>
-        </a:graphic>
-      </p:graphicFrame>
-      <p:sp>
-        <p:nvSpPr>
-          <p:cNvPr id="6" name="正方形/長方形 5">
-            <a:extLst>
-              <a:ext uri="{FF2B5EF4-FFF2-40B4-BE49-F238E27FC236}">
-                <a16:creationId xmlns:a16="http://schemas.microsoft.com/office/drawing/2014/main" id="{742A92C3-A64C-2976-9AE1-D790ACD6A1D0}"/>
-              </a:ext>
-            </a:extLst>
-          </p:cNvPr>
-          <p:cNvSpPr/>
-          <p:nvPr/>
-        </p:nvSpPr>
-        <p:spPr>
-          <a:xfrm>
-            <a:off x="4774111" y="992388"/>
-            <a:ext cx="3035206" cy="5472975"/>
-          </a:xfrm>
-          <a:prstGeom prst="rect">
-            <a:avLst/>
-          </a:prstGeom>
-          <a:noFill/>
-          <a:ln w="57150">
-            <a:solidFill>
-              <a:srgbClr val="FF0000"/>
-            </a:solidFill>
-          </a:ln>
-        </p:spPr>
-        <p:style>
-          <a:lnRef idx="2">
-            <a:schemeClr val="accent1">
-              <a:shade val="15000"/>
-            </a:schemeClr>
-          </a:lnRef>
-          <a:fillRef idx="1">
-            <a:schemeClr val="accent1"/>
-          </a:fillRef>
-          <a:effectRef idx="0">
-            <a:schemeClr val="accent1"/>
-          </a:effectRef>
-          <a:fontRef idx="minor">
-            <a:schemeClr val="lt1"/>
-          </a:fontRef>
-        </p:style>
-        <p:txBody>
-          <a:bodyPr rtlCol="0" anchor="ctr"/>
-          <a:lstStyle/>
-          <a:p>
-            <a:pPr algn="ctr"/>
-            <a:endParaRPr kumimoji="1" lang="ja-JP" altLang="en-US"/>
-          </a:p>
-        </p:txBody>
-      </p:sp>
-      <p:sp>
-        <p:nvSpPr>
-          <p:cNvPr id="8" name="テキスト ボックス 7">
-            <a:extLst>
-              <a:ext uri="{FF2B5EF4-FFF2-40B4-BE49-F238E27FC236}">
-                <a16:creationId xmlns:a16="http://schemas.microsoft.com/office/drawing/2014/main" id="{85AE21A8-1F2C-9028-B2A2-C3DE118E2B13}"/>
-              </a:ext>
-            </a:extLst>
-          </p:cNvPr>
-          <p:cNvSpPr txBox="1"/>
-          <p:nvPr/>
-        </p:nvSpPr>
-        <p:spPr>
-          <a:xfrm>
-            <a:off x="4675162" y="3263030"/>
-            <a:ext cx="2968779" cy="646331"/>
-          </a:xfrm>
-          <a:prstGeom prst="rect">
-            <a:avLst/>
-          </a:prstGeom>
-          <a:noFill/>
-        </p:spPr>
-        <p:txBody>
-          <a:bodyPr wrap="square">
-            <a:spAutoFit/>
-          </a:bodyPr>
-          <a:lstStyle/>
-          <a:p>
-            <a:r>
-              <a:rPr lang="ja-JP" altLang="en-US" dirty="0">
-                <a:solidFill>
-                  <a:srgbClr val="FF0000"/>
-                </a:solidFill>
-              </a:rPr>
-              <a:t>赤枠が分析で分かる要因</a:t>
-            </a:r>
-            <a:endParaRPr lang="en-US" altLang="ja-JP" dirty="0">
-              <a:solidFill>
-                <a:srgbClr val="FF0000"/>
-              </a:solidFill>
-            </a:endParaRPr>
-          </a:p>
-          <a:p>
-            <a:r>
-              <a:rPr lang="ja-JP" altLang="en-US" dirty="0">
-                <a:solidFill>
-                  <a:srgbClr val="FF0000"/>
-                </a:solidFill>
-              </a:rPr>
-              <a:t>のイメージです</a:t>
-            </a:r>
-          </a:p>
-        </p:txBody>
-      </p:sp>
-      <p:sp>
-        <p:nvSpPr>
-          <p:cNvPr id="7" name="正方形/長方形 6">
-            <a:extLst>
-              <a:ext uri="{FF2B5EF4-FFF2-40B4-BE49-F238E27FC236}">
-                <a16:creationId xmlns:a16="http://schemas.microsoft.com/office/drawing/2014/main" id="{2D6B039E-EE0D-77B4-790E-2EC615FEB4D7}"/>
-              </a:ext>
-            </a:extLst>
-          </p:cNvPr>
-          <p:cNvSpPr/>
-          <p:nvPr/>
-        </p:nvSpPr>
-        <p:spPr>
-          <a:xfrm>
-            <a:off x="4907090" y="198783"/>
-            <a:ext cx="3555369" cy="426170"/>
-          </a:xfrm>
-          <a:prstGeom prst="rect">
-            <a:avLst/>
-          </a:prstGeom>
-        </p:spPr>
-        <p:style>
-          <a:lnRef idx="2">
-            <a:schemeClr val="accent1">
-              <a:shade val="15000"/>
-            </a:schemeClr>
-          </a:lnRef>
-          <a:fillRef idx="1">
-            <a:schemeClr val="accent1"/>
-          </a:fillRef>
-          <a:effectRef idx="0">
-            <a:schemeClr val="accent1"/>
-          </a:effectRef>
-          <a:fontRef idx="minor">
-            <a:schemeClr val="lt1"/>
-          </a:fontRef>
-        </p:style>
-        <p:txBody>
-          <a:bodyPr rtlCol="0" anchor="ctr"/>
-          <a:lstStyle/>
-          <a:p>
-            <a:pPr algn="ctr"/>
-            <a:r>
-              <a:rPr kumimoji="1" lang="ja-JP" altLang="en-US" dirty="0"/>
-              <a:t>言葉の表現の確認</a:t>
-            </a:r>
-          </a:p>
-        </p:txBody>
-      </p:sp>
-    </p:spTree>
-    <p:extLst>
-      <p:ext uri="{BB962C8B-B14F-4D97-AF65-F5344CB8AC3E}">
-        <p14:creationId xmlns:p14="http://schemas.microsoft.com/office/powerpoint/2010/main" val="397005514"/>
-      </p:ext>
-    </p:extLst>
-  </p:cSld>
-  <p:clrMapOvr>
-    <a:masterClrMapping/>
-  </p:clrMapOvr>
-</p:sld>
-</file>
-
-<file path=ppt/slides/slide4.xml><?xml version="1.0" encoding="utf-8"?>
-<p:sld xmlns:a="http://schemas.openxmlformats.org/drawingml/2006/main" xmlns:r="http://schemas.openxmlformats.org/officeDocument/2006/relationships" xmlns:p="http://schemas.openxmlformats.org/presentationml/2006/main">
-  <p:cSld>
-    <p:spTree>
-      <p:nvGrpSpPr>
-        <p:cNvPr id="1" name=""/>
-        <p:cNvGrpSpPr/>
-        <p:nvPr/>
-      </p:nvGrpSpPr>
-      <p:grpSpPr>
-        <a:xfrm>
-          <a:off x="0" y="0"/>
-          <a:ext cx="0" cy="0"/>
-          <a:chOff x="0" y="0"/>
-          <a:chExt cx="0" cy="0"/>
-        </a:xfrm>
-      </p:grpSpPr>
-      <p:sp>
-        <p:nvSpPr>
           <p:cNvPr id="2" name="テキスト プレースホルダー 1"/>
           <p:cNvSpPr>
             <a:spLocks noGrp="1"/>
@@ -19151,8 +18458,12 @@
           <a:lstStyle/>
           <a:p>
             <a:r>
+              <a:rPr kumimoji="1" lang="en-US" altLang="ja-JP" dirty="0"/>
+              <a:t>2. 24</a:t>
+            </a:r>
+            <a:r>
               <a:rPr kumimoji="1" lang="ja-JP" altLang="en-US" dirty="0"/>
-              <a:t>上期スケジュール</a:t>
+              <a:t>年度の上期スケジュール</a:t>
             </a:r>
           </a:p>
         </p:txBody>
@@ -19175,7 +18486,7 @@
             <a:fld id="{FCAFAC13-DB77-42F2-BE26-45BA5532FD50}" type="datetime4">
               <a:rPr lang="en-US" altLang="ja-JP" smtClean="0"/>
               <a:pPr/>
-              <a:t>July 30, 2024</a:t>
+              <a:t>August 1, 2024</a:t>
             </a:fld>
             <a:endParaRPr lang="en-US" dirty="0"/>
           </a:p>
@@ -19190,7 +18501,7 @@
           <p:nvPr>
             <p:extLst>
               <p:ext uri="{D42A27DB-BD31-4B8C-83A1-F6EECF244321}">
-                <p14:modId xmlns:p14="http://schemas.microsoft.com/office/powerpoint/2010/main" val="3095600702"/>
+                <p14:modId xmlns:p14="http://schemas.microsoft.com/office/powerpoint/2010/main" val="121283797"/>
               </p:ext>
             </p:extLst>
           </p:nvPr>
@@ -20586,15 +19897,7 @@
                     <a:p>
                       <a:r>
                         <a:rPr lang="ja-JP" altLang="en-US" sz="1400" b="1" dirty="0"/>
-                        <a:t>❶技術検証</a:t>
-                      </a:r>
-                      <a:r>
-                        <a:rPr lang="en-US" altLang="ja-JP" sz="1400" b="1" dirty="0"/>
-                        <a:t>&amp;</a:t>
-                      </a:r>
-                      <a:r>
-                        <a:rPr lang="ja-JP" altLang="en-US" sz="1400" b="1" dirty="0"/>
-                        <a:t>改良</a:t>
+                        <a:t>❶バックエンド</a:t>
                       </a:r>
                     </a:p>
                   </a:txBody>
@@ -21144,16 +20447,9 @@
                     <a:p>
                       <a:r>
                         <a:rPr kumimoji="1" lang="ja-JP" altLang="en-US" sz="1400" b="1" dirty="0"/>
-                        <a:t>❷</a:t>
+                        <a:t>❷フロントエンド</a:t>
                       </a:r>
-                      <a:r>
-                        <a:rPr lang="en-US" altLang="ja-JP" sz="1400" b="1" dirty="0"/>
-                        <a:t>UI</a:t>
-                      </a:r>
-                      <a:r>
-                        <a:rPr lang="ja-JP" altLang="en-US" sz="1400" b="1" dirty="0"/>
-                        <a:t>改修</a:t>
-                      </a:r>
+                      <a:endParaRPr lang="ja-JP" altLang="en-US" sz="1400" b="1" dirty="0"/>
                     </a:p>
                   </a:txBody>
                   <a:tcPr anchor="ctr"/>
@@ -22407,7 +21703,7 @@
         </p:nvSpPr>
         <p:spPr>
           <a:xfrm>
-            <a:off x="7443620" y="6202004"/>
+            <a:off x="7440818" y="6168825"/>
             <a:ext cx="3438307" cy="201481"/>
           </a:xfrm>
           <a:prstGeom prst="homePlate">
@@ -22561,8 +21857,8 @@
         </p:nvSpPr>
         <p:spPr>
           <a:xfrm>
-            <a:off x="11519070" y="1878708"/>
-            <a:ext cx="3991654" cy="4572978"/>
+            <a:off x="11085095" y="1859492"/>
+            <a:ext cx="3922762" cy="4572978"/>
           </a:xfrm>
           <a:prstGeom prst="rect">
             <a:avLst/>
@@ -22605,14 +21901,6 @@
             </a:endParaRPr>
           </a:p>
           <a:p>
-            <a:r>
-              <a:rPr lang="ja-JP" altLang="en-US" sz="1600" dirty="0">
-                <a:solidFill>
-                  <a:schemeClr val="tx1"/>
-                </a:solidFill>
-              </a:rPr>
-              <a:t>取り組み中</a:t>
-            </a:r>
             <a:endParaRPr lang="en-US" altLang="ja-JP" sz="1600" dirty="0">
               <a:solidFill>
                 <a:schemeClr val="tx1"/>
@@ -22621,74 +21909,65 @@
           </a:p>
           <a:p>
             <a:r>
-              <a:rPr lang="ja-JP" altLang="en-US" sz="1600" dirty="0">
+              <a:rPr lang="ja-JP" altLang="en-US" sz="1400" dirty="0">
                 <a:solidFill>
                   <a:schemeClr val="tx1"/>
                 </a:solidFill>
               </a:rPr>
-              <a:t>・もの革さんとの事前打ち合わせの準備</a:t>
-            </a:r>
-            <a:endParaRPr lang="en-US" altLang="ja-JP" sz="1600" dirty="0">
+              <a:t>整備課メンバーがトライ活用できる</a:t>
+            </a:r>
+            <a:endParaRPr lang="en-US" altLang="ja-JP" sz="1400" dirty="0">
               <a:solidFill>
                 <a:schemeClr val="tx1"/>
               </a:solidFill>
             </a:endParaRPr>
           </a:p>
           <a:p>
-            <a:r>
-              <a:rPr lang="ja-JP" altLang="en-US" sz="1600" dirty="0">
-                <a:solidFill>
-                  <a:schemeClr val="tx1"/>
-                </a:solidFill>
-              </a:rPr>
-              <a:t>・</a:t>
-            </a:r>
-            <a:r>
-              <a:rPr lang="en-US" altLang="ja-JP" sz="1600" dirty="0">
-                <a:solidFill>
-                  <a:schemeClr val="tx1"/>
-                </a:solidFill>
-              </a:rPr>
-              <a:t>DX3</a:t>
-            </a:r>
-            <a:r>
-              <a:rPr lang="ja-JP" altLang="en-US" sz="1600" dirty="0">
-                <a:solidFill>
-                  <a:schemeClr val="tx1"/>
-                </a:solidFill>
-              </a:rPr>
-              <a:t>部さんとデータ連携の進め方整理</a:t>
-            </a:r>
-            <a:endParaRPr lang="en-US" altLang="ja-JP" sz="1600" dirty="0">
+            <a:endParaRPr lang="en-US" altLang="ja-JP" sz="1400" dirty="0">
               <a:solidFill>
                 <a:schemeClr val="tx1"/>
               </a:solidFill>
             </a:endParaRPr>
           </a:p>
           <a:p>
-            <a:endParaRPr lang="en-US" altLang="ja-JP" sz="1600" dirty="0">
+            <a:r>
+              <a:rPr lang="ja-JP" altLang="en-US" sz="1400" dirty="0">
+                <a:solidFill>
+                  <a:schemeClr val="tx1"/>
+                </a:solidFill>
+              </a:rPr>
+              <a:t>❶バックエンド（要因分析機能）</a:t>
+            </a:r>
+            <a:endParaRPr lang="en-US" altLang="ja-JP" sz="1400" dirty="0">
               <a:solidFill>
                 <a:schemeClr val="tx1"/>
               </a:solidFill>
             </a:endParaRPr>
           </a:p>
           <a:p>
-            <a:endParaRPr lang="en-US" altLang="ja-JP" sz="1600" dirty="0">
+            <a:r>
+              <a:rPr lang="ja-JP" altLang="en-US" sz="1400" dirty="0">
+                <a:solidFill>
+                  <a:schemeClr val="accent6"/>
+                </a:solidFill>
+              </a:rPr>
+              <a:t>正解データを用いたアルゴ改良ができている</a:t>
+            </a:r>
+            <a:endParaRPr lang="en-US" altLang="ja-JP" sz="1400" dirty="0">
+              <a:solidFill>
+                <a:schemeClr val="accent6"/>
+              </a:solidFill>
+            </a:endParaRPr>
+          </a:p>
+          <a:p>
+            <a:endParaRPr lang="en-US" altLang="ja-JP" sz="1400" dirty="0">
               <a:solidFill>
                 <a:schemeClr val="tx1"/>
               </a:solidFill>
             </a:endParaRPr>
           </a:p>
           <a:p>
-            <a:r>
-              <a:rPr lang="ja-JP" altLang="en-US" sz="1600" dirty="0">
-                <a:solidFill>
-                  <a:schemeClr val="tx1"/>
-                </a:solidFill>
-              </a:rPr>
-              <a:t>今後の予定</a:t>
-            </a:r>
-            <a:endParaRPr lang="en-US" altLang="ja-JP" sz="1600" dirty="0">
+            <a:endParaRPr lang="en-US" altLang="ja-JP" sz="1400" dirty="0">
               <a:solidFill>
                 <a:schemeClr val="tx1"/>
               </a:solidFill>
@@ -22696,22 +21975,14 @@
           </a:p>
           <a:p>
             <a:r>
-              <a:rPr lang="en-US" altLang="ja-JP" sz="1600" dirty="0">
+              <a:rPr lang="ja-JP" altLang="en-US" sz="1400" dirty="0">
                 <a:solidFill>
                   <a:schemeClr val="tx1"/>
                 </a:solidFill>
               </a:rPr>
-              <a:t>8/1</a:t>
-            </a:r>
-            <a:r>
-              <a:rPr lang="ja-JP" altLang="en-US" sz="1600" dirty="0">
-                <a:solidFill>
-                  <a:schemeClr val="tx1"/>
-                </a:solidFill>
-              </a:rPr>
-              <a:t>（木）：もの革さんと事前打ち合わせ</a:t>
-            </a:r>
-            <a:endParaRPr lang="en-US" altLang="ja-JP" sz="1600" dirty="0">
+              <a:t>❷フロントエンド（画面動作）</a:t>
+            </a:r>
+            <a:endParaRPr lang="en-US" altLang="ja-JP" sz="1400" dirty="0">
               <a:solidFill>
                 <a:schemeClr val="tx1"/>
               </a:solidFill>
@@ -22719,29 +21990,89 @@
           </a:p>
           <a:p>
             <a:r>
-              <a:rPr lang="en-US" altLang="ja-JP" sz="1600" dirty="0">
-                <a:solidFill>
-                  <a:schemeClr val="tx1"/>
-                </a:solidFill>
-              </a:rPr>
-              <a:t>8/6</a:t>
-            </a:r>
-            <a:r>
-              <a:rPr lang="ja-JP" altLang="en-US" sz="1600" dirty="0">
-                <a:solidFill>
-                  <a:schemeClr val="tx1"/>
-                </a:solidFill>
-              </a:rPr>
-              <a:t>（水）：整備課メンバーと打ち合わせ</a:t>
-            </a:r>
-            <a:endParaRPr lang="en-US" altLang="ja-JP" sz="1600" dirty="0">
+              <a:rPr lang="ja-JP" altLang="en-US" sz="1400" dirty="0">
+                <a:solidFill>
+                  <a:schemeClr val="accent6"/>
+                </a:solidFill>
+              </a:rPr>
+              <a:t>要望をもとに</a:t>
+            </a:r>
+            <a:r>
+              <a:rPr lang="en-US" altLang="ja-JP" sz="1400" dirty="0">
+                <a:solidFill>
+                  <a:schemeClr val="accent6"/>
+                </a:solidFill>
+              </a:rPr>
+              <a:t>UI</a:t>
+            </a:r>
+            <a:r>
+              <a:rPr lang="ja-JP" altLang="en-US" sz="1400" dirty="0">
+                <a:solidFill>
+                  <a:schemeClr val="accent6"/>
+                </a:solidFill>
+              </a:rPr>
+              <a:t>を改修できている</a:t>
+            </a:r>
+            <a:endParaRPr lang="en-US" altLang="ja-JP" sz="1400" dirty="0">
               <a:solidFill>
                 <a:schemeClr val="tx1"/>
               </a:solidFill>
             </a:endParaRPr>
           </a:p>
           <a:p>
-            <a:endParaRPr kumimoji="1" lang="en-US" altLang="ja-JP" sz="1600" dirty="0">
+            <a:endParaRPr lang="en-US" altLang="ja-JP" sz="1400" dirty="0">
+              <a:solidFill>
+                <a:schemeClr val="tx1"/>
+              </a:solidFill>
+            </a:endParaRPr>
+          </a:p>
+          <a:p>
+            <a:r>
+              <a:rPr lang="ja-JP" altLang="en-US" sz="1400" dirty="0">
+                <a:solidFill>
+                  <a:schemeClr val="tx1"/>
+                </a:solidFill>
+              </a:rPr>
+              <a:t>❸データ連携実装</a:t>
+            </a:r>
+            <a:endParaRPr lang="en-US" altLang="ja-JP" sz="1400" dirty="0">
+              <a:solidFill>
+                <a:schemeClr val="tx1"/>
+              </a:solidFill>
+            </a:endParaRPr>
+          </a:p>
+          <a:p>
+            <a:r>
+              <a:rPr lang="ja-JP" altLang="en-US" sz="1400" dirty="0">
+                <a:solidFill>
+                  <a:schemeClr val="accent6"/>
+                </a:solidFill>
+              </a:rPr>
+              <a:t>データを手動で収集する必要がなく、</a:t>
+            </a:r>
+            <a:endParaRPr lang="en-US" altLang="ja-JP" sz="1400" dirty="0">
+              <a:solidFill>
+                <a:schemeClr val="accent6"/>
+              </a:solidFill>
+            </a:endParaRPr>
+          </a:p>
+          <a:p>
+            <a:r>
+              <a:rPr lang="ja-JP" altLang="en-US" sz="1400" dirty="0">
+                <a:solidFill>
+                  <a:schemeClr val="accent6"/>
+                </a:solidFill>
+              </a:rPr>
+              <a:t>自動連携（バッチ連携）できている</a:t>
+            </a:r>
+            <a:endParaRPr lang="en-US" altLang="ja-JP" sz="1400" dirty="0">
+              <a:solidFill>
+                <a:schemeClr val="accent6"/>
+              </a:solidFill>
+            </a:endParaRPr>
+          </a:p>
+          <a:p>
+            <a:endParaRPr lang="en-US" altLang="ja-JP" sz="1600" dirty="0">
               <a:solidFill>
                 <a:schemeClr val="tx1"/>
               </a:solidFill>
@@ -22957,7 +22288,7 @@
         <p:spPr>
           <a:xfrm>
             <a:off x="2973026" y="3173853"/>
-            <a:ext cx="954107" cy="246221"/>
+            <a:ext cx="825867" cy="246221"/>
           </a:xfrm>
           <a:prstGeom prst="rect">
             <a:avLst/>
@@ -22971,7 +22302,7 @@
           <a:p>
             <a:r>
               <a:rPr lang="ja-JP" altLang="en-US" sz="1000" b="1" dirty="0"/>
-              <a:t>依頼内容協議</a:t>
+              <a:t>進め方協議</a:t>
             </a:r>
           </a:p>
         </p:txBody>
@@ -23092,7 +22423,7 @@
         </p:nvSpPr>
         <p:spPr>
           <a:xfrm>
-            <a:off x="8451583" y="5969747"/>
+            <a:off x="8462345" y="5924570"/>
             <a:ext cx="697627" cy="246221"/>
           </a:xfrm>
           <a:prstGeom prst="rect">
@@ -23199,7 +22530,7 @@
         <p:spPr>
           <a:xfrm>
             <a:off x="7974530" y="3325109"/>
-            <a:ext cx="825867" cy="246221"/>
+            <a:ext cx="1338828" cy="246221"/>
           </a:xfrm>
           <a:prstGeom prst="rect">
             <a:avLst/>
@@ -23213,7 +22544,7 @@
           <a:p>
             <a:r>
               <a:rPr lang="ja-JP" altLang="en-US" sz="1000" b="1" dirty="0"/>
-              <a:t>アルゴ改良</a:t>
+              <a:t>要因分析アルゴ改良</a:t>
             </a:r>
           </a:p>
         </p:txBody>
@@ -23232,14 +22563,14 @@
         </p:nvSpPr>
         <p:spPr>
           <a:xfrm>
-            <a:off x="11520745" y="1876072"/>
-            <a:ext cx="3989979" cy="447080"/>
+            <a:off x="11085094" y="1859491"/>
+            <a:ext cx="3922762" cy="447080"/>
           </a:xfrm>
           <a:prstGeom prst="rect">
             <a:avLst/>
           </a:prstGeom>
           <a:solidFill>
-            <a:schemeClr val="accent3"/>
+            <a:schemeClr val="accent1"/>
           </a:solidFill>
         </p:spPr>
         <p:style>
@@ -23264,12 +22595,16 @@
           <a:p>
             <a:pPr algn="ctr"/>
             <a:r>
+              <a:rPr kumimoji="1" lang="ja-JP" altLang="en-US" dirty="0"/>
+              <a:t>目指す状態（</a:t>
+            </a:r>
+            <a:r>
               <a:rPr kumimoji="1" lang="en-US" altLang="ja-JP" dirty="0"/>
-              <a:t>7/31</a:t>
+              <a:t>9/E</a:t>
             </a:r>
             <a:r>
               <a:rPr kumimoji="1" lang="ja-JP" altLang="en-US" dirty="0"/>
-              <a:t>（水）</a:t>
+              <a:t>）</a:t>
             </a:r>
           </a:p>
         </p:txBody>
@@ -23366,10 +22701,480 @@
           </a:p>
         </p:txBody>
       </p:sp>
+      <p:sp>
+        <p:nvSpPr>
+          <p:cNvPr id="22" name="吹き出し: 角を丸めた四角形 21">
+            <a:extLst>
+              <a:ext uri="{FF2B5EF4-FFF2-40B4-BE49-F238E27FC236}">
+                <a16:creationId xmlns:a16="http://schemas.microsoft.com/office/drawing/2014/main" id="{EA4DE9E0-BFC9-D76F-9D1E-0C02CAB67D0F}"/>
+              </a:ext>
+            </a:extLst>
+          </p:cNvPr>
+          <p:cNvSpPr/>
+          <p:nvPr/>
+        </p:nvSpPr>
+        <p:spPr>
+          <a:xfrm>
+            <a:off x="14220564" y="4091341"/>
+            <a:ext cx="1986526" cy="950015"/>
+          </a:xfrm>
+          <a:prstGeom prst="wedgeRoundRectCallout">
+            <a:avLst>
+              <a:gd name="adj1" fmla="val -36877"/>
+              <a:gd name="adj2" fmla="val -69546"/>
+              <a:gd name="adj3" fmla="val 16667"/>
+            </a:avLst>
+          </a:prstGeom>
+          <a:solidFill>
+            <a:schemeClr val="accent3">
+              <a:lumMod val="20000"/>
+              <a:lumOff val="80000"/>
+            </a:schemeClr>
+          </a:solidFill>
+        </p:spPr>
+        <p:style>
+          <a:lnRef idx="2">
+            <a:schemeClr val="accent1">
+              <a:shade val="15000"/>
+            </a:schemeClr>
+          </a:lnRef>
+          <a:fillRef idx="1">
+            <a:schemeClr val="accent1"/>
+          </a:fillRef>
+          <a:effectRef idx="0">
+            <a:schemeClr val="accent1"/>
+          </a:effectRef>
+          <a:fontRef idx="minor">
+            <a:schemeClr val="lt1"/>
+          </a:fontRef>
+        </p:style>
+        <p:txBody>
+          <a:bodyPr rtlCol="0" anchor="ctr"/>
+          <a:lstStyle/>
+          <a:p>
+            <a:r>
+              <a:rPr kumimoji="1" lang="ja-JP" altLang="en-US" sz="1200" dirty="0">
+                <a:solidFill>
+                  <a:schemeClr val="tx1"/>
+                </a:solidFill>
+              </a:rPr>
+              <a:t>精度指標を定義して具体化します</a:t>
+            </a:r>
+            <a:r>
+              <a:rPr lang="ja-JP" altLang="en-US" sz="1200" dirty="0">
+                <a:solidFill>
+                  <a:schemeClr val="tx1"/>
+                </a:solidFill>
+              </a:rPr>
+              <a:t>。この後相談させてください</a:t>
+            </a:r>
+            <a:endParaRPr kumimoji="1" lang="ja-JP" altLang="en-US" sz="1200" dirty="0">
+              <a:solidFill>
+                <a:schemeClr val="tx1"/>
+              </a:solidFill>
+            </a:endParaRPr>
+          </a:p>
+        </p:txBody>
+      </p:sp>
+      <p:sp>
+        <p:nvSpPr>
+          <p:cNvPr id="34" name="ホームベース 5">
+            <a:extLst>
+              <a:ext uri="{FF2B5EF4-FFF2-40B4-BE49-F238E27FC236}">
+                <a16:creationId xmlns:a16="http://schemas.microsoft.com/office/drawing/2014/main" id="{D5057DF7-5132-4DF6-0078-7C3749CFF50B}"/>
+              </a:ext>
+            </a:extLst>
+          </p:cNvPr>
+          <p:cNvSpPr/>
+          <p:nvPr/>
+        </p:nvSpPr>
+        <p:spPr>
+          <a:xfrm>
+            <a:off x="3920272" y="4873947"/>
+            <a:ext cx="857982" cy="486602"/>
+          </a:xfrm>
+          <a:prstGeom prst="homePlate">
+            <a:avLst/>
+          </a:prstGeom>
+          <a:solidFill>
+            <a:srgbClr val="FFFFCC"/>
+          </a:solidFill>
+          <a:effectLst/>
+        </p:spPr>
+        <p:style>
+          <a:lnRef idx="1">
+            <a:schemeClr val="accent1"/>
+          </a:lnRef>
+          <a:fillRef idx="3">
+            <a:schemeClr val="accent1"/>
+          </a:fillRef>
+          <a:effectRef idx="2">
+            <a:schemeClr val="accent1"/>
+          </a:effectRef>
+          <a:fontRef idx="minor">
+            <a:schemeClr val="lt1"/>
+          </a:fontRef>
+        </p:style>
+        <p:txBody>
+          <a:bodyPr rtlCol="0" anchor="ctr"/>
+          <a:lstStyle/>
+          <a:p>
+            <a:pPr algn="ctr"/>
+            <a:endParaRPr kumimoji="1" lang="ja-JP" altLang="en-US"/>
+          </a:p>
+        </p:txBody>
+      </p:sp>
+      <p:sp>
+        <p:nvSpPr>
+          <p:cNvPr id="35" name="正方形/長方形 34">
+            <a:extLst>
+              <a:ext uri="{FF2B5EF4-FFF2-40B4-BE49-F238E27FC236}">
+                <a16:creationId xmlns:a16="http://schemas.microsoft.com/office/drawing/2014/main" id="{0F9451F7-0F43-7F71-183C-96DC3E8FB7B6}"/>
+              </a:ext>
+            </a:extLst>
+          </p:cNvPr>
+          <p:cNvSpPr/>
+          <p:nvPr/>
+        </p:nvSpPr>
+        <p:spPr>
+          <a:xfrm>
+            <a:off x="3935877" y="5007634"/>
+            <a:ext cx="697627" cy="246221"/>
+          </a:xfrm>
+          <a:prstGeom prst="rect">
+            <a:avLst/>
+          </a:prstGeom>
+        </p:spPr>
+        <p:txBody>
+          <a:bodyPr wrap="none">
+            <a:spAutoFit/>
+          </a:bodyPr>
+          <a:lstStyle/>
+          <a:p>
+            <a:r>
+              <a:rPr lang="ja-JP" altLang="en-US" sz="1000" b="1" dirty="0"/>
+              <a:t>反映検討</a:t>
+            </a:r>
+          </a:p>
+        </p:txBody>
+      </p:sp>
+      <p:sp>
+        <p:nvSpPr>
+          <p:cNvPr id="37" name="正方形/長方形 36">
+            <a:extLst>
+              <a:ext uri="{FF2B5EF4-FFF2-40B4-BE49-F238E27FC236}">
+                <a16:creationId xmlns:a16="http://schemas.microsoft.com/office/drawing/2014/main" id="{15251F2B-963D-8C78-9632-74A9D864D614}"/>
+              </a:ext>
+            </a:extLst>
+          </p:cNvPr>
+          <p:cNvSpPr/>
+          <p:nvPr/>
+        </p:nvSpPr>
+        <p:spPr>
+          <a:xfrm>
+            <a:off x="6900530" y="104762"/>
+            <a:ext cx="4848392" cy="571975"/>
+          </a:xfrm>
+          <a:prstGeom prst="rect">
+            <a:avLst/>
+          </a:prstGeom>
+          <a:solidFill>
+            <a:srgbClr val="FFFFCC"/>
+          </a:solidFill>
+          <a:ln w="12700"/>
+        </p:spPr>
+        <p:style>
+          <a:lnRef idx="2">
+            <a:schemeClr val="accent1">
+              <a:shade val="15000"/>
+            </a:schemeClr>
+          </a:lnRef>
+          <a:fillRef idx="1">
+            <a:schemeClr val="accent1"/>
+          </a:fillRef>
+          <a:effectRef idx="0">
+            <a:schemeClr val="accent1"/>
+          </a:effectRef>
+          <a:fontRef idx="minor">
+            <a:schemeClr val="lt1"/>
+          </a:fontRef>
+        </p:style>
+        <p:txBody>
+          <a:bodyPr rtlCol="0" anchor="ctr"/>
+          <a:lstStyle/>
+          <a:p>
+            <a:r>
+              <a:rPr lang="ja-JP" altLang="en-US" sz="1200" b="1" dirty="0">
+                <a:solidFill>
+                  <a:schemeClr val="tx1"/>
+                </a:solidFill>
+              </a:rPr>
+              <a:t>開発日程について認識合わせさせてください</a:t>
+            </a:r>
+            <a:endParaRPr lang="en-US" altLang="ja-JP" sz="1200" b="1" dirty="0">
+              <a:solidFill>
+                <a:schemeClr val="tx1"/>
+              </a:solidFill>
+            </a:endParaRPr>
+          </a:p>
+        </p:txBody>
+      </p:sp>
+      <p:sp>
+        <p:nvSpPr>
+          <p:cNvPr id="40" name="吹き出し: 角を丸めた四角形 39">
+            <a:extLst>
+              <a:ext uri="{FF2B5EF4-FFF2-40B4-BE49-F238E27FC236}">
+                <a16:creationId xmlns:a16="http://schemas.microsoft.com/office/drawing/2014/main" id="{64741610-62D7-A230-41F7-821893A7086D}"/>
+              </a:ext>
+            </a:extLst>
+          </p:cNvPr>
+          <p:cNvSpPr/>
+          <p:nvPr/>
+        </p:nvSpPr>
+        <p:spPr>
+          <a:xfrm>
+            <a:off x="6475819" y="6668217"/>
+            <a:ext cx="1986526" cy="950015"/>
+          </a:xfrm>
+          <a:prstGeom prst="wedgeRoundRectCallout">
+            <a:avLst>
+              <a:gd name="adj1" fmla="val -36877"/>
+              <a:gd name="adj2" fmla="val -69546"/>
+              <a:gd name="adj3" fmla="val 16667"/>
+            </a:avLst>
+          </a:prstGeom>
+          <a:solidFill>
+            <a:schemeClr val="accent3">
+              <a:lumMod val="20000"/>
+              <a:lumOff val="80000"/>
+            </a:schemeClr>
+          </a:solidFill>
+        </p:spPr>
+        <p:style>
+          <a:lnRef idx="2">
+            <a:schemeClr val="accent1">
+              <a:shade val="15000"/>
+            </a:schemeClr>
+          </a:lnRef>
+          <a:fillRef idx="1">
+            <a:schemeClr val="accent1"/>
+          </a:fillRef>
+          <a:effectRef idx="0">
+            <a:schemeClr val="accent1"/>
+          </a:effectRef>
+          <a:fontRef idx="minor">
+            <a:schemeClr val="lt1"/>
+          </a:fontRef>
+        </p:style>
+        <p:txBody>
+          <a:bodyPr rtlCol="0" anchor="ctr"/>
+          <a:lstStyle/>
+          <a:p>
+            <a:r>
+              <a:rPr lang="ja-JP" altLang="en-US" sz="1200" dirty="0">
+                <a:solidFill>
+                  <a:schemeClr val="tx1"/>
+                </a:solidFill>
+              </a:rPr>
+              <a:t>後半の開発スケジュールも後で更新します</a:t>
+            </a:r>
+            <a:endParaRPr kumimoji="1" lang="ja-JP" altLang="en-US" sz="1200" dirty="0">
+              <a:solidFill>
+                <a:schemeClr val="tx1"/>
+              </a:solidFill>
+            </a:endParaRPr>
+          </a:p>
+        </p:txBody>
+      </p:sp>
     </p:spTree>
     <p:extLst>
       <p:ext uri="{BB962C8B-B14F-4D97-AF65-F5344CB8AC3E}">
         <p14:creationId xmlns:p14="http://schemas.microsoft.com/office/powerpoint/2010/main" val="918580056"/>
+      </p:ext>
+    </p:extLst>
+  </p:cSld>
+  <p:clrMapOvr>
+    <a:masterClrMapping/>
+  </p:clrMapOvr>
+</p:sld>
+</file>
+
+<file path=ppt/slides/slide4.xml><?xml version="1.0" encoding="utf-8"?>
+<p:sld xmlns:a="http://schemas.openxmlformats.org/drawingml/2006/main" xmlns:r="http://schemas.openxmlformats.org/officeDocument/2006/relationships" xmlns:p="http://schemas.openxmlformats.org/presentationml/2006/main">
+  <p:cSld>
+    <p:spTree>
+      <p:nvGrpSpPr>
+        <p:cNvPr id="1" name=""/>
+        <p:cNvGrpSpPr/>
+        <p:nvPr/>
+      </p:nvGrpSpPr>
+      <p:grpSpPr>
+        <a:xfrm>
+          <a:off x="0" y="0"/>
+          <a:ext cx="0" cy="0"/>
+          <a:chOff x="0" y="0"/>
+          <a:chExt cx="0" cy="0"/>
+        </a:xfrm>
+      </p:grpSpPr>
+      <p:sp>
+        <p:nvSpPr>
+          <p:cNvPr id="2" name="テキスト プレースホルダー 1">
+            <a:extLst>
+              <a:ext uri="{FF2B5EF4-FFF2-40B4-BE49-F238E27FC236}">
+                <a16:creationId xmlns:a16="http://schemas.microsoft.com/office/drawing/2014/main" id="{4915AD15-485C-B810-5FEE-21D1A656E96D}"/>
+              </a:ext>
+            </a:extLst>
+          </p:cNvPr>
+          <p:cNvSpPr>
+            <a:spLocks noGrp="1"/>
+          </p:cNvSpPr>
+          <p:nvPr>
+            <p:ph type="body" sz="quarter" idx="18"/>
+          </p:nvPr>
+        </p:nvSpPr>
+        <p:spPr/>
+        <p:txBody>
+          <a:bodyPr/>
+          <a:lstStyle/>
+          <a:p>
+            <a:endParaRPr kumimoji="1" lang="en-US" altLang="ja-JP" dirty="0"/>
+          </a:p>
+          <a:p>
+            <a:r>
+              <a:rPr kumimoji="1" lang="ja-JP" altLang="en-US" dirty="0"/>
+              <a:t>エクセルで説明します</a:t>
+            </a:r>
+          </a:p>
+        </p:txBody>
+      </p:sp>
+      <p:sp>
+        <p:nvSpPr>
+          <p:cNvPr id="3" name="テキスト プレースホルダー 2">
+            <a:extLst>
+              <a:ext uri="{FF2B5EF4-FFF2-40B4-BE49-F238E27FC236}">
+                <a16:creationId xmlns:a16="http://schemas.microsoft.com/office/drawing/2014/main" id="{5A905325-8A5D-58C5-D6BE-473444E7244A}"/>
+              </a:ext>
+            </a:extLst>
+          </p:cNvPr>
+          <p:cNvSpPr>
+            <a:spLocks noGrp="1"/>
+          </p:cNvSpPr>
+          <p:nvPr>
+            <p:ph type="body" sz="quarter" idx="20"/>
+          </p:nvPr>
+        </p:nvSpPr>
+        <p:spPr/>
+        <p:txBody>
+          <a:bodyPr/>
+          <a:lstStyle/>
+          <a:p>
+            <a:r>
+              <a:rPr lang="en-US" altLang="ja-JP" dirty="0"/>
+              <a:t>3. </a:t>
+            </a:r>
+            <a:r>
+              <a:rPr lang="ja-JP" altLang="en-US" dirty="0"/>
+              <a:t>要因粒度や要因の表現方法について</a:t>
+            </a:r>
+            <a:endParaRPr kumimoji="1" lang="ja-JP" altLang="en-US" dirty="0"/>
+          </a:p>
+        </p:txBody>
+      </p:sp>
+      <p:sp>
+        <p:nvSpPr>
+          <p:cNvPr id="4" name="日付プレースホルダー 3">
+            <a:extLst>
+              <a:ext uri="{FF2B5EF4-FFF2-40B4-BE49-F238E27FC236}">
+                <a16:creationId xmlns:a16="http://schemas.microsoft.com/office/drawing/2014/main" id="{FD45D0AF-E82E-8ACC-B0B7-87B6374F3CB0}"/>
+              </a:ext>
+            </a:extLst>
+          </p:cNvPr>
+          <p:cNvSpPr>
+            <a:spLocks noGrp="1"/>
+          </p:cNvSpPr>
+          <p:nvPr>
+            <p:ph type="dt" sz="half" idx="19"/>
+          </p:nvPr>
+        </p:nvSpPr>
+        <p:spPr/>
+        <p:txBody>
+          <a:bodyPr/>
+          <a:lstStyle/>
+          <a:p>
+            <a:fld id="{FCAFAC13-DB77-42F2-BE26-45BA5532FD50}" type="datetime4">
+              <a:rPr lang="en-US" altLang="ja-JP" smtClean="0"/>
+              <a:pPr/>
+              <a:t>July 31, 2024</a:t>
+            </a:fld>
+            <a:endParaRPr lang="en-US" dirty="0"/>
+          </a:p>
+        </p:txBody>
+      </p:sp>
+      <p:sp>
+        <p:nvSpPr>
+          <p:cNvPr id="10" name="正方形/長方形 9">
+            <a:extLst>
+              <a:ext uri="{FF2B5EF4-FFF2-40B4-BE49-F238E27FC236}">
+                <a16:creationId xmlns:a16="http://schemas.microsoft.com/office/drawing/2014/main" id="{BA6EE8CF-B232-4C22-5863-5613CD8CA1F8}"/>
+              </a:ext>
+            </a:extLst>
+          </p:cNvPr>
+          <p:cNvSpPr/>
+          <p:nvPr/>
+        </p:nvSpPr>
+        <p:spPr>
+          <a:xfrm>
+            <a:off x="7091916" y="104762"/>
+            <a:ext cx="4657006" cy="571975"/>
+          </a:xfrm>
+          <a:prstGeom prst="rect">
+            <a:avLst/>
+          </a:prstGeom>
+          <a:solidFill>
+            <a:srgbClr val="FFFFCC"/>
+          </a:solidFill>
+          <a:ln w="12700"/>
+        </p:spPr>
+        <p:style>
+          <a:lnRef idx="2">
+            <a:schemeClr val="accent1">
+              <a:shade val="15000"/>
+            </a:schemeClr>
+          </a:lnRef>
+          <a:fillRef idx="1">
+            <a:schemeClr val="accent1"/>
+          </a:fillRef>
+          <a:effectRef idx="0">
+            <a:schemeClr val="accent1"/>
+          </a:effectRef>
+          <a:fontRef idx="minor">
+            <a:schemeClr val="lt1"/>
+          </a:fontRef>
+        </p:style>
+        <p:txBody>
+          <a:bodyPr rtlCol="0" anchor="ctr"/>
+          <a:lstStyle/>
+          <a:p>
+            <a:r>
+              <a:rPr lang="ja-JP" altLang="en-US" sz="1200" b="1" dirty="0">
+                <a:solidFill>
+                  <a:schemeClr val="tx1"/>
+                </a:solidFill>
+              </a:rPr>
+              <a:t>要因粒度や要因の表現方法について認識合わせさせてください</a:t>
+            </a:r>
+            <a:endParaRPr lang="en-US" altLang="ja-JP" sz="1200" b="1" dirty="0">
+              <a:solidFill>
+                <a:schemeClr val="tx1"/>
+              </a:solidFill>
+            </a:endParaRPr>
+          </a:p>
+        </p:txBody>
+      </p:sp>
+    </p:spTree>
+    <p:extLst>
+      <p:ext uri="{BB962C8B-B14F-4D97-AF65-F5344CB8AC3E}">
+        <p14:creationId xmlns:p14="http://schemas.microsoft.com/office/powerpoint/2010/main" val="397005514"/>
       </p:ext>
     </p:extLst>
   </p:cSld>
@@ -23401,7 +23206,7 @@
           <p:cNvPr id="2" name="テキスト プレースホルダー 1">
             <a:extLst>
               <a:ext uri="{FF2B5EF4-FFF2-40B4-BE49-F238E27FC236}">
-                <a16:creationId xmlns:a16="http://schemas.microsoft.com/office/drawing/2014/main" id="{B67FC550-7D00-AA79-1B86-9B9A738700C3}"/>
+                <a16:creationId xmlns:a16="http://schemas.microsoft.com/office/drawing/2014/main" id="{3316D79B-FE90-CE75-7CD8-7F49D7CE6D4A}"/>
               </a:ext>
             </a:extLst>
           </p:cNvPr>
@@ -23417,9 +23222,37 @@
           <a:bodyPr/>
           <a:lstStyle/>
           <a:p>
-            <a:r>
-              <a:rPr kumimoji="1" lang="ja-JP" altLang="en-US" dirty="0"/>
-              <a:t>エクセルで説明します</a:t>
+            <a:endParaRPr lang="en-US" altLang="ja-JP" b="0" dirty="0"/>
+          </a:p>
+          <a:p>
+            <a:endParaRPr lang="en-US" altLang="ja-JP" b="0" dirty="0"/>
+          </a:p>
+          <a:p>
+            <a:endParaRPr lang="en-US" altLang="ja-JP" b="0" dirty="0"/>
+          </a:p>
+          <a:p>
+            <a:endParaRPr lang="en-US" altLang="ja-JP" b="0" dirty="0"/>
+          </a:p>
+          <a:p>
+            <a:r>
+              <a:rPr kumimoji="1" lang="ja-JP" altLang="en-US" b="0" dirty="0"/>
+              <a:t>例：</a:t>
+            </a:r>
+            <a:r>
+              <a:rPr kumimoji="1" lang="en-US" altLang="ja-JP" b="0" dirty="0"/>
+              <a:t>N=5</a:t>
+            </a:r>
+            <a:r>
+              <a:rPr kumimoji="1" lang="ja-JP" altLang="en-US" b="0" dirty="0"/>
+              <a:t>の場合は、正解要因が上位</a:t>
+            </a:r>
+            <a:r>
+              <a:rPr kumimoji="1" lang="en-US" altLang="ja-JP" b="0" dirty="0"/>
+              <a:t>5</a:t>
+            </a:r>
+            <a:r>
+              <a:rPr kumimoji="1" lang="ja-JP" altLang="en-US" b="0" dirty="0"/>
+              <a:t>個の中に含まれていれば正解</a:t>
             </a:r>
           </a:p>
         </p:txBody>
@@ -23429,7 +23262,7 @@
           <p:cNvPr id="3" name="テキスト プレースホルダー 2">
             <a:extLst>
               <a:ext uri="{FF2B5EF4-FFF2-40B4-BE49-F238E27FC236}">
-                <a16:creationId xmlns:a16="http://schemas.microsoft.com/office/drawing/2014/main" id="{31792654-BB14-E26A-046B-7B3BCA209CC4}"/>
+                <a16:creationId xmlns:a16="http://schemas.microsoft.com/office/drawing/2014/main" id="{051E6DE5-35E7-9F70-6F1B-AD8FF86864B5}"/>
               </a:ext>
             </a:extLst>
           </p:cNvPr>
@@ -23447,12 +23280,37 @@
           <a:p>
             <a:r>
               <a:rPr kumimoji="1" lang="en-US" altLang="ja-JP" dirty="0"/>
-              <a:t>UI</a:t>
-            </a:r>
-            <a:r>
-              <a:rPr kumimoji="1" lang="ja-JP" altLang="en-US" dirty="0"/>
-              <a:t>要望出し</a:t>
-            </a:r>
+              <a:t>4.</a:t>
+            </a:r>
+            <a:r>
+              <a:rPr lang="ja-JP" altLang="en-US" dirty="0"/>
+              <a:t> </a:t>
+            </a:r>
+            <a:r>
+              <a:rPr lang="ja-JP" altLang="en-US" sz="2400" dirty="0">
+                <a:solidFill>
+                  <a:schemeClr val="tx1"/>
+                </a:solidFill>
+              </a:rPr>
+              <a:t>精度指標（</a:t>
+            </a:r>
+            <a:r>
+              <a:rPr lang="en-US" altLang="ja-JP" sz="2400" dirty="0">
+                <a:solidFill>
+                  <a:schemeClr val="tx1"/>
+                </a:solidFill>
+              </a:rPr>
+              <a:t>Top-N</a:t>
+            </a:r>
+            <a:r>
+              <a:rPr lang="ja-JP" altLang="en-US" sz="2400" dirty="0">
+                <a:solidFill>
+                  <a:schemeClr val="tx1"/>
+                </a:solidFill>
+              </a:rPr>
+              <a:t>精度）について</a:t>
+            </a:r>
+            <a:endParaRPr kumimoji="1" lang="ja-JP" altLang="en-US" dirty="0"/>
           </a:p>
         </p:txBody>
       </p:sp>
@@ -23461,7 +23319,7 @@
           <p:cNvPr id="4" name="日付プレースホルダー 3">
             <a:extLst>
               <a:ext uri="{FF2B5EF4-FFF2-40B4-BE49-F238E27FC236}">
-                <a16:creationId xmlns:a16="http://schemas.microsoft.com/office/drawing/2014/main" id="{ABE52AC6-5495-03D7-9613-1890635DC26E}"/>
+                <a16:creationId xmlns:a16="http://schemas.microsoft.com/office/drawing/2014/main" id="{A6F2F1C7-70BF-82E2-8BF1-1CEC5EB5F298}"/>
               </a:ext>
             </a:extLst>
           </p:cNvPr>
@@ -23480,16 +23338,1356 @@
             <a:fld id="{FCAFAC13-DB77-42F2-BE26-45BA5532FD50}" type="datetime4">
               <a:rPr lang="en-US" altLang="ja-JP" smtClean="0"/>
               <a:pPr/>
-              <a:t>July 30, 2024</a:t>
+              <a:t>July 31, 2024</a:t>
             </a:fld>
             <a:endParaRPr lang="en-US" dirty="0"/>
+          </a:p>
+        </p:txBody>
+      </p:sp>
+      <p:sp>
+        <p:nvSpPr>
+          <p:cNvPr id="5" name="四角形: 角を丸くする 4">
+            <a:extLst>
+              <a:ext uri="{FF2B5EF4-FFF2-40B4-BE49-F238E27FC236}">
+                <a16:creationId xmlns:a16="http://schemas.microsoft.com/office/drawing/2014/main" id="{1579F06E-82EC-D912-A99D-CB4D211E35DA}"/>
+              </a:ext>
+            </a:extLst>
+          </p:cNvPr>
+          <p:cNvSpPr/>
+          <p:nvPr/>
+        </p:nvSpPr>
+        <p:spPr>
+          <a:xfrm>
+            <a:off x="501500" y="888473"/>
+            <a:ext cx="8689750" cy="914400"/>
+          </a:xfrm>
+          <a:prstGeom prst="roundRect">
+            <a:avLst>
+              <a:gd name="adj" fmla="val 7635"/>
+            </a:avLst>
+          </a:prstGeom>
+          <a:solidFill>
+            <a:schemeClr val="accent2">
+              <a:lumMod val="20000"/>
+              <a:lumOff val="80000"/>
+            </a:schemeClr>
+          </a:solidFill>
+        </p:spPr>
+        <p:style>
+          <a:lnRef idx="2">
+            <a:schemeClr val="accent1">
+              <a:shade val="15000"/>
+            </a:schemeClr>
+          </a:lnRef>
+          <a:fillRef idx="1">
+            <a:schemeClr val="accent1"/>
+          </a:fillRef>
+          <a:effectRef idx="0">
+            <a:schemeClr val="accent1"/>
+          </a:effectRef>
+          <a:fontRef idx="minor">
+            <a:schemeClr val="lt1"/>
+          </a:fontRef>
+        </p:style>
+        <p:txBody>
+          <a:bodyPr rtlCol="0" anchor="ctr"/>
+          <a:lstStyle/>
+          <a:p>
+            <a:r>
+              <a:rPr kumimoji="1" lang="en-US" altLang="ja-JP" b="1" dirty="0">
+                <a:solidFill>
+                  <a:schemeClr val="tx1"/>
+                </a:solidFill>
+              </a:rPr>
+              <a:t>Top-N</a:t>
+            </a:r>
+            <a:r>
+              <a:rPr kumimoji="1" lang="ja-JP" altLang="en-US" b="1" dirty="0">
+                <a:solidFill>
+                  <a:schemeClr val="tx1"/>
+                </a:solidFill>
+              </a:rPr>
+              <a:t>精度：</a:t>
+            </a:r>
+            <a:endParaRPr kumimoji="1" lang="en-US" altLang="ja-JP" b="1" dirty="0">
+              <a:solidFill>
+                <a:schemeClr val="tx1"/>
+              </a:solidFill>
+            </a:endParaRPr>
+          </a:p>
+          <a:p>
+            <a:r>
+              <a:rPr lang="ja-JP" altLang="en-US" b="1" dirty="0">
+                <a:solidFill>
+                  <a:schemeClr val="tx1"/>
+                </a:solidFill>
+              </a:rPr>
+              <a:t>寄与度が高い上位</a:t>
+            </a:r>
+            <a:r>
+              <a:rPr lang="en-US" altLang="ja-JP" b="1" dirty="0">
+                <a:solidFill>
+                  <a:schemeClr val="tx1"/>
+                </a:solidFill>
+              </a:rPr>
+              <a:t>N</a:t>
+            </a:r>
+            <a:r>
+              <a:rPr lang="ja-JP" altLang="en-US" b="1" dirty="0">
+                <a:solidFill>
+                  <a:schemeClr val="tx1"/>
+                </a:solidFill>
+              </a:rPr>
+              <a:t>個の中に、正解が含まれているかどうかを評価する指標</a:t>
+            </a:r>
+            <a:endParaRPr kumimoji="1" lang="en-US" altLang="ja-JP" b="1" dirty="0">
+              <a:solidFill>
+                <a:schemeClr val="tx1"/>
+              </a:solidFill>
+            </a:endParaRPr>
+          </a:p>
+        </p:txBody>
+      </p:sp>
+      <p:sp>
+        <p:nvSpPr>
+          <p:cNvPr id="6" name="正方形/長方形 5">
+            <a:extLst>
+              <a:ext uri="{FF2B5EF4-FFF2-40B4-BE49-F238E27FC236}">
+                <a16:creationId xmlns:a16="http://schemas.microsoft.com/office/drawing/2014/main" id="{2DC45762-2F0F-094A-1682-9D1B9EC36F9C}"/>
+              </a:ext>
+            </a:extLst>
+          </p:cNvPr>
+          <p:cNvSpPr/>
+          <p:nvPr/>
+        </p:nvSpPr>
+        <p:spPr>
+          <a:xfrm>
+            <a:off x="1138576" y="2731336"/>
+            <a:ext cx="2023478" cy="177046"/>
+          </a:xfrm>
+          <a:prstGeom prst="rect">
+            <a:avLst/>
+          </a:prstGeom>
+        </p:spPr>
+        <p:style>
+          <a:lnRef idx="2">
+            <a:schemeClr val="accent1">
+              <a:shade val="15000"/>
+            </a:schemeClr>
+          </a:lnRef>
+          <a:fillRef idx="1">
+            <a:schemeClr val="accent1"/>
+          </a:fillRef>
+          <a:effectRef idx="0">
+            <a:schemeClr val="accent1"/>
+          </a:effectRef>
+          <a:fontRef idx="minor">
+            <a:schemeClr val="lt1"/>
+          </a:fontRef>
+        </p:style>
+        <p:txBody>
+          <a:bodyPr rtlCol="0" anchor="ctr"/>
+          <a:lstStyle/>
+          <a:p>
+            <a:pPr algn="ctr"/>
+            <a:endParaRPr kumimoji="1" lang="ja-JP" altLang="en-US"/>
+          </a:p>
+        </p:txBody>
+      </p:sp>
+      <p:sp>
+        <p:nvSpPr>
+          <p:cNvPr id="7" name="正方形/長方形 6">
+            <a:extLst>
+              <a:ext uri="{FF2B5EF4-FFF2-40B4-BE49-F238E27FC236}">
+                <a16:creationId xmlns:a16="http://schemas.microsoft.com/office/drawing/2014/main" id="{33436A30-4737-4252-6EF5-E0458F9C073A}"/>
+              </a:ext>
+            </a:extLst>
+          </p:cNvPr>
+          <p:cNvSpPr/>
+          <p:nvPr/>
+        </p:nvSpPr>
+        <p:spPr>
+          <a:xfrm>
+            <a:off x="1138576" y="3050825"/>
+            <a:ext cx="1386348" cy="177046"/>
+          </a:xfrm>
+          <a:prstGeom prst="rect">
+            <a:avLst/>
+          </a:prstGeom>
+        </p:spPr>
+        <p:style>
+          <a:lnRef idx="2">
+            <a:schemeClr val="accent1">
+              <a:shade val="15000"/>
+            </a:schemeClr>
+          </a:lnRef>
+          <a:fillRef idx="1">
+            <a:schemeClr val="accent1"/>
+          </a:fillRef>
+          <a:effectRef idx="0">
+            <a:schemeClr val="accent1"/>
+          </a:effectRef>
+          <a:fontRef idx="minor">
+            <a:schemeClr val="lt1"/>
+          </a:fontRef>
+        </p:style>
+        <p:txBody>
+          <a:bodyPr rtlCol="0" anchor="ctr"/>
+          <a:lstStyle/>
+          <a:p>
+            <a:pPr algn="ctr"/>
+            <a:endParaRPr kumimoji="1" lang="ja-JP" altLang="en-US"/>
+          </a:p>
+        </p:txBody>
+      </p:sp>
+      <p:sp>
+        <p:nvSpPr>
+          <p:cNvPr id="8" name="正方形/長方形 7">
+            <a:extLst>
+              <a:ext uri="{FF2B5EF4-FFF2-40B4-BE49-F238E27FC236}">
+                <a16:creationId xmlns:a16="http://schemas.microsoft.com/office/drawing/2014/main" id="{A5C74503-4C5B-109B-F814-F15A5C9DFF7D}"/>
+              </a:ext>
+            </a:extLst>
+          </p:cNvPr>
+          <p:cNvSpPr/>
+          <p:nvPr/>
+        </p:nvSpPr>
+        <p:spPr>
+          <a:xfrm>
+            <a:off x="1138576" y="3370314"/>
+            <a:ext cx="1020588" cy="177046"/>
+          </a:xfrm>
+          <a:prstGeom prst="rect">
+            <a:avLst/>
+          </a:prstGeom>
+        </p:spPr>
+        <p:style>
+          <a:lnRef idx="2">
+            <a:schemeClr val="accent1">
+              <a:shade val="15000"/>
+            </a:schemeClr>
+          </a:lnRef>
+          <a:fillRef idx="1">
+            <a:schemeClr val="accent1"/>
+          </a:fillRef>
+          <a:effectRef idx="0">
+            <a:schemeClr val="accent1"/>
+          </a:effectRef>
+          <a:fontRef idx="minor">
+            <a:schemeClr val="lt1"/>
+          </a:fontRef>
+        </p:style>
+        <p:txBody>
+          <a:bodyPr rtlCol="0" anchor="ctr"/>
+          <a:lstStyle/>
+          <a:p>
+            <a:pPr algn="ctr"/>
+            <a:endParaRPr kumimoji="1" lang="ja-JP" altLang="en-US"/>
+          </a:p>
+        </p:txBody>
+      </p:sp>
+      <p:sp>
+        <p:nvSpPr>
+          <p:cNvPr id="9" name="正方形/長方形 8">
+            <a:extLst>
+              <a:ext uri="{FF2B5EF4-FFF2-40B4-BE49-F238E27FC236}">
+                <a16:creationId xmlns:a16="http://schemas.microsoft.com/office/drawing/2014/main" id="{A72D0BBC-D821-BB78-251B-A3D88FEB5486}"/>
+              </a:ext>
+            </a:extLst>
+          </p:cNvPr>
+          <p:cNvSpPr/>
+          <p:nvPr/>
+        </p:nvSpPr>
+        <p:spPr>
+          <a:xfrm>
+            <a:off x="1138576" y="3685179"/>
+            <a:ext cx="1020588" cy="177046"/>
+          </a:xfrm>
+          <a:prstGeom prst="rect">
+            <a:avLst/>
+          </a:prstGeom>
+        </p:spPr>
+        <p:style>
+          <a:lnRef idx="2">
+            <a:schemeClr val="accent1">
+              <a:shade val="15000"/>
+            </a:schemeClr>
+          </a:lnRef>
+          <a:fillRef idx="1">
+            <a:schemeClr val="accent1"/>
+          </a:fillRef>
+          <a:effectRef idx="0">
+            <a:schemeClr val="accent1"/>
+          </a:effectRef>
+          <a:fontRef idx="minor">
+            <a:schemeClr val="lt1"/>
+          </a:fontRef>
+        </p:style>
+        <p:txBody>
+          <a:bodyPr rtlCol="0" anchor="ctr"/>
+          <a:lstStyle/>
+          <a:p>
+            <a:pPr algn="ctr"/>
+            <a:endParaRPr kumimoji="1" lang="ja-JP" altLang="en-US"/>
+          </a:p>
+        </p:txBody>
+      </p:sp>
+      <p:sp>
+        <p:nvSpPr>
+          <p:cNvPr id="10" name="正方形/長方形 9">
+            <a:extLst>
+              <a:ext uri="{FF2B5EF4-FFF2-40B4-BE49-F238E27FC236}">
+                <a16:creationId xmlns:a16="http://schemas.microsoft.com/office/drawing/2014/main" id="{2ABF9AA9-C7BE-BD22-E495-91FF08CA1501}"/>
+              </a:ext>
+            </a:extLst>
+          </p:cNvPr>
+          <p:cNvSpPr/>
+          <p:nvPr/>
+        </p:nvSpPr>
+        <p:spPr>
+          <a:xfrm>
+            <a:off x="1138576" y="4000044"/>
+            <a:ext cx="755117" cy="177046"/>
+          </a:xfrm>
+          <a:prstGeom prst="rect">
+            <a:avLst/>
+          </a:prstGeom>
+        </p:spPr>
+        <p:style>
+          <a:lnRef idx="2">
+            <a:schemeClr val="accent1">
+              <a:shade val="15000"/>
+            </a:schemeClr>
+          </a:lnRef>
+          <a:fillRef idx="1">
+            <a:schemeClr val="accent1"/>
+          </a:fillRef>
+          <a:effectRef idx="0">
+            <a:schemeClr val="accent1"/>
+          </a:effectRef>
+          <a:fontRef idx="minor">
+            <a:schemeClr val="lt1"/>
+          </a:fontRef>
+        </p:style>
+        <p:txBody>
+          <a:bodyPr rtlCol="0" anchor="ctr"/>
+          <a:lstStyle/>
+          <a:p>
+            <a:pPr algn="ctr"/>
+            <a:endParaRPr kumimoji="1" lang="ja-JP" altLang="en-US"/>
+          </a:p>
+        </p:txBody>
+      </p:sp>
+      <p:sp>
+        <p:nvSpPr>
+          <p:cNvPr id="11" name="正方形/長方形 10">
+            <a:extLst>
+              <a:ext uri="{FF2B5EF4-FFF2-40B4-BE49-F238E27FC236}">
+                <a16:creationId xmlns:a16="http://schemas.microsoft.com/office/drawing/2014/main" id="{15A48436-5ECF-83C0-2C1A-1D9F33F125D8}"/>
+              </a:ext>
+            </a:extLst>
+          </p:cNvPr>
+          <p:cNvSpPr/>
+          <p:nvPr/>
+        </p:nvSpPr>
+        <p:spPr>
+          <a:xfrm>
+            <a:off x="1138576" y="4314909"/>
+            <a:ext cx="631230" cy="177046"/>
+          </a:xfrm>
+          <a:prstGeom prst="rect">
+            <a:avLst/>
+          </a:prstGeom>
+        </p:spPr>
+        <p:style>
+          <a:lnRef idx="2">
+            <a:schemeClr val="accent1">
+              <a:shade val="15000"/>
+            </a:schemeClr>
+          </a:lnRef>
+          <a:fillRef idx="1">
+            <a:schemeClr val="accent1"/>
+          </a:fillRef>
+          <a:effectRef idx="0">
+            <a:schemeClr val="accent1"/>
+          </a:effectRef>
+          <a:fontRef idx="minor">
+            <a:schemeClr val="lt1"/>
+          </a:fontRef>
+        </p:style>
+        <p:txBody>
+          <a:bodyPr rtlCol="0" anchor="ctr"/>
+          <a:lstStyle/>
+          <a:p>
+            <a:pPr algn="ctr"/>
+            <a:endParaRPr kumimoji="1" lang="ja-JP" altLang="en-US"/>
+          </a:p>
+        </p:txBody>
+      </p:sp>
+      <p:sp>
+        <p:nvSpPr>
+          <p:cNvPr id="12" name="正方形/長方形 11">
+            <a:extLst>
+              <a:ext uri="{FF2B5EF4-FFF2-40B4-BE49-F238E27FC236}">
+                <a16:creationId xmlns:a16="http://schemas.microsoft.com/office/drawing/2014/main" id="{091CC463-5558-EC09-D76B-7F834A054EE7}"/>
+              </a:ext>
+            </a:extLst>
+          </p:cNvPr>
+          <p:cNvSpPr/>
+          <p:nvPr/>
+        </p:nvSpPr>
+        <p:spPr>
+          <a:xfrm>
+            <a:off x="1138576" y="4639387"/>
+            <a:ext cx="519143" cy="177046"/>
+          </a:xfrm>
+          <a:prstGeom prst="rect">
+            <a:avLst/>
+          </a:prstGeom>
+        </p:spPr>
+        <p:style>
+          <a:lnRef idx="2">
+            <a:schemeClr val="accent1">
+              <a:shade val="15000"/>
+            </a:schemeClr>
+          </a:lnRef>
+          <a:fillRef idx="1">
+            <a:schemeClr val="accent1"/>
+          </a:fillRef>
+          <a:effectRef idx="0">
+            <a:schemeClr val="accent1"/>
+          </a:effectRef>
+          <a:fontRef idx="minor">
+            <a:schemeClr val="lt1"/>
+          </a:fontRef>
+        </p:style>
+        <p:txBody>
+          <a:bodyPr rtlCol="0" anchor="ctr"/>
+          <a:lstStyle/>
+          <a:p>
+            <a:pPr algn="ctr"/>
+            <a:endParaRPr kumimoji="1" lang="ja-JP" altLang="en-US"/>
+          </a:p>
+        </p:txBody>
+      </p:sp>
+      <p:sp>
+        <p:nvSpPr>
+          <p:cNvPr id="13" name="正方形/長方形 12">
+            <a:extLst>
+              <a:ext uri="{FF2B5EF4-FFF2-40B4-BE49-F238E27FC236}">
+                <a16:creationId xmlns:a16="http://schemas.microsoft.com/office/drawing/2014/main" id="{8EA57903-C7C9-704D-475A-03D13E7D80D1}"/>
+              </a:ext>
+            </a:extLst>
+          </p:cNvPr>
+          <p:cNvSpPr/>
+          <p:nvPr/>
+        </p:nvSpPr>
+        <p:spPr>
+          <a:xfrm>
+            <a:off x="1126777" y="4956564"/>
+            <a:ext cx="430653" cy="177046"/>
+          </a:xfrm>
+          <a:prstGeom prst="rect">
+            <a:avLst/>
+          </a:prstGeom>
+        </p:spPr>
+        <p:style>
+          <a:lnRef idx="2">
+            <a:schemeClr val="accent1">
+              <a:shade val="15000"/>
+            </a:schemeClr>
+          </a:lnRef>
+          <a:fillRef idx="1">
+            <a:schemeClr val="accent1"/>
+          </a:fillRef>
+          <a:effectRef idx="0">
+            <a:schemeClr val="accent1"/>
+          </a:effectRef>
+          <a:fontRef idx="minor">
+            <a:schemeClr val="lt1"/>
+          </a:fontRef>
+        </p:style>
+        <p:txBody>
+          <a:bodyPr rtlCol="0" anchor="ctr"/>
+          <a:lstStyle/>
+          <a:p>
+            <a:pPr algn="ctr"/>
+            <a:endParaRPr kumimoji="1" lang="ja-JP" altLang="en-US"/>
+          </a:p>
+        </p:txBody>
+      </p:sp>
+      <p:sp>
+        <p:nvSpPr>
+          <p:cNvPr id="15" name="テキスト ボックス 14">
+            <a:extLst>
+              <a:ext uri="{FF2B5EF4-FFF2-40B4-BE49-F238E27FC236}">
+                <a16:creationId xmlns:a16="http://schemas.microsoft.com/office/drawing/2014/main" id="{5EBD74E4-60FD-696D-5AD9-190A2E76102E}"/>
+              </a:ext>
+            </a:extLst>
+          </p:cNvPr>
+          <p:cNvSpPr txBox="1"/>
+          <p:nvPr/>
+        </p:nvSpPr>
+        <p:spPr>
+          <a:xfrm>
+            <a:off x="369760" y="2672800"/>
+            <a:ext cx="842134" cy="307777"/>
+          </a:xfrm>
+          <a:prstGeom prst="rect">
+            <a:avLst/>
+          </a:prstGeom>
+          <a:noFill/>
+        </p:spPr>
+        <p:txBody>
+          <a:bodyPr wrap="square">
+            <a:spAutoFit/>
+          </a:bodyPr>
+          <a:lstStyle/>
+          <a:p>
+            <a:r>
+              <a:rPr lang="ja-JP" altLang="en-US" sz="1400" dirty="0"/>
+              <a:t>要因</a:t>
+            </a:r>
+            <a:r>
+              <a:rPr lang="en-US" altLang="ja-JP" sz="1400" dirty="0"/>
+              <a:t>A</a:t>
+            </a:r>
+            <a:endParaRPr lang="ja-JP" altLang="en-US" sz="1400" dirty="0"/>
+          </a:p>
+        </p:txBody>
+      </p:sp>
+      <p:sp>
+        <p:nvSpPr>
+          <p:cNvPr id="18" name="テキスト ボックス 17">
+            <a:extLst>
+              <a:ext uri="{FF2B5EF4-FFF2-40B4-BE49-F238E27FC236}">
+                <a16:creationId xmlns:a16="http://schemas.microsoft.com/office/drawing/2014/main" id="{E00D0574-E897-1968-E71E-12EB439F0DF1}"/>
+              </a:ext>
+            </a:extLst>
+          </p:cNvPr>
+          <p:cNvSpPr txBox="1"/>
+          <p:nvPr/>
+        </p:nvSpPr>
+        <p:spPr>
+          <a:xfrm>
+            <a:off x="369760" y="3313193"/>
+            <a:ext cx="842134" cy="307777"/>
+          </a:xfrm>
+          <a:prstGeom prst="rect">
+            <a:avLst/>
+          </a:prstGeom>
+          <a:noFill/>
+        </p:spPr>
+        <p:txBody>
+          <a:bodyPr wrap="square">
+            <a:spAutoFit/>
+          </a:bodyPr>
+          <a:lstStyle/>
+          <a:p>
+            <a:r>
+              <a:rPr lang="ja-JP" altLang="en-US" sz="1400" dirty="0">
+                <a:solidFill>
+                  <a:srgbClr val="FF0000"/>
+                </a:solidFill>
+              </a:rPr>
+              <a:t>要因</a:t>
+            </a:r>
+            <a:r>
+              <a:rPr lang="en-US" altLang="ja-JP" sz="1400" dirty="0">
+                <a:solidFill>
+                  <a:srgbClr val="FF0000"/>
+                </a:solidFill>
+              </a:rPr>
+              <a:t>B</a:t>
+            </a:r>
+            <a:endParaRPr lang="ja-JP" altLang="en-US" sz="1400" dirty="0">
+              <a:solidFill>
+                <a:srgbClr val="FF0000"/>
+              </a:solidFill>
+            </a:endParaRPr>
+          </a:p>
+        </p:txBody>
+      </p:sp>
+      <p:sp>
+        <p:nvSpPr>
+          <p:cNvPr id="19" name="テキスト ボックス 18">
+            <a:extLst>
+              <a:ext uri="{FF2B5EF4-FFF2-40B4-BE49-F238E27FC236}">
+                <a16:creationId xmlns:a16="http://schemas.microsoft.com/office/drawing/2014/main" id="{20CC5C56-377C-4DEE-7191-12F2BC8C4156}"/>
+              </a:ext>
+            </a:extLst>
+          </p:cNvPr>
+          <p:cNvSpPr txBox="1"/>
+          <p:nvPr/>
+        </p:nvSpPr>
+        <p:spPr>
+          <a:xfrm>
+            <a:off x="369760" y="3622543"/>
+            <a:ext cx="842134" cy="307777"/>
+          </a:xfrm>
+          <a:prstGeom prst="rect">
+            <a:avLst/>
+          </a:prstGeom>
+          <a:noFill/>
+        </p:spPr>
+        <p:txBody>
+          <a:bodyPr wrap="square">
+            <a:spAutoFit/>
+          </a:bodyPr>
+          <a:lstStyle/>
+          <a:p>
+            <a:r>
+              <a:rPr lang="ja-JP" altLang="en-US" sz="1400" dirty="0"/>
+              <a:t>要因</a:t>
+            </a:r>
+            <a:r>
+              <a:rPr lang="en-US" altLang="ja-JP" sz="1400" dirty="0"/>
+              <a:t>C</a:t>
+            </a:r>
+            <a:endParaRPr lang="ja-JP" altLang="en-US" sz="1400" dirty="0"/>
+          </a:p>
+        </p:txBody>
+      </p:sp>
+      <p:sp>
+        <p:nvSpPr>
+          <p:cNvPr id="20" name="テキスト ボックス 19">
+            <a:extLst>
+              <a:ext uri="{FF2B5EF4-FFF2-40B4-BE49-F238E27FC236}">
+                <a16:creationId xmlns:a16="http://schemas.microsoft.com/office/drawing/2014/main" id="{03632212-C398-C1E8-8AC0-45051BA6C71E}"/>
+              </a:ext>
+            </a:extLst>
+          </p:cNvPr>
+          <p:cNvSpPr txBox="1"/>
+          <p:nvPr/>
+        </p:nvSpPr>
+        <p:spPr>
+          <a:xfrm>
+            <a:off x="369760" y="4241040"/>
+            <a:ext cx="842134" cy="307777"/>
+          </a:xfrm>
+          <a:prstGeom prst="rect">
+            <a:avLst/>
+          </a:prstGeom>
+          <a:noFill/>
+        </p:spPr>
+        <p:txBody>
+          <a:bodyPr wrap="square">
+            <a:spAutoFit/>
+          </a:bodyPr>
+          <a:lstStyle/>
+          <a:p>
+            <a:r>
+              <a:rPr lang="ja-JP" altLang="en-US" sz="1400" dirty="0"/>
+              <a:t>要因</a:t>
+            </a:r>
+            <a:r>
+              <a:rPr lang="en-US" altLang="ja-JP" sz="1400" dirty="0"/>
+              <a:t>D</a:t>
+            </a:r>
+            <a:endParaRPr lang="ja-JP" altLang="en-US" sz="1400" dirty="0"/>
+          </a:p>
+        </p:txBody>
+      </p:sp>
+      <p:sp>
+        <p:nvSpPr>
+          <p:cNvPr id="21" name="テキスト ボックス 20">
+            <a:extLst>
+              <a:ext uri="{FF2B5EF4-FFF2-40B4-BE49-F238E27FC236}">
+                <a16:creationId xmlns:a16="http://schemas.microsoft.com/office/drawing/2014/main" id="{E62687AE-64DA-B344-90C8-5C4B99982DCC}"/>
+              </a:ext>
+            </a:extLst>
+          </p:cNvPr>
+          <p:cNvSpPr txBox="1"/>
+          <p:nvPr/>
+        </p:nvSpPr>
+        <p:spPr>
+          <a:xfrm>
+            <a:off x="363860" y="4907003"/>
+            <a:ext cx="842134" cy="307777"/>
+          </a:xfrm>
+          <a:prstGeom prst="rect">
+            <a:avLst/>
+          </a:prstGeom>
+          <a:noFill/>
+        </p:spPr>
+        <p:txBody>
+          <a:bodyPr wrap="square">
+            <a:spAutoFit/>
+          </a:bodyPr>
+          <a:lstStyle/>
+          <a:p>
+            <a:r>
+              <a:rPr lang="ja-JP" altLang="en-US" sz="1400" dirty="0"/>
+              <a:t>要因</a:t>
+            </a:r>
+            <a:r>
+              <a:rPr lang="en-US" altLang="ja-JP" sz="1400" dirty="0"/>
+              <a:t>E</a:t>
+            </a:r>
+            <a:endParaRPr lang="ja-JP" altLang="en-US" sz="1400" dirty="0"/>
+          </a:p>
+        </p:txBody>
+      </p:sp>
+      <p:sp>
+        <p:nvSpPr>
+          <p:cNvPr id="22" name="テキスト ボックス 21">
+            <a:extLst>
+              <a:ext uri="{FF2B5EF4-FFF2-40B4-BE49-F238E27FC236}">
+                <a16:creationId xmlns:a16="http://schemas.microsoft.com/office/drawing/2014/main" id="{EABA6FF1-F636-AEE1-4D29-73AC3947B55E}"/>
+              </a:ext>
+            </a:extLst>
+          </p:cNvPr>
+          <p:cNvSpPr txBox="1"/>
+          <p:nvPr/>
+        </p:nvSpPr>
+        <p:spPr>
+          <a:xfrm>
+            <a:off x="363860" y="2972332"/>
+            <a:ext cx="842134" cy="307777"/>
+          </a:xfrm>
+          <a:prstGeom prst="rect">
+            <a:avLst/>
+          </a:prstGeom>
+          <a:noFill/>
+        </p:spPr>
+        <p:txBody>
+          <a:bodyPr wrap="square">
+            <a:spAutoFit/>
+          </a:bodyPr>
+          <a:lstStyle/>
+          <a:p>
+            <a:r>
+              <a:rPr lang="ja-JP" altLang="en-US" sz="1400" dirty="0"/>
+              <a:t>要因</a:t>
+            </a:r>
+            <a:r>
+              <a:rPr lang="en-US" altLang="ja-JP" sz="1400" dirty="0"/>
+              <a:t>E</a:t>
+            </a:r>
+            <a:endParaRPr lang="ja-JP" altLang="en-US" sz="1400" dirty="0"/>
+          </a:p>
+        </p:txBody>
+      </p:sp>
+      <p:sp>
+        <p:nvSpPr>
+          <p:cNvPr id="23" name="テキスト ボックス 22">
+            <a:extLst>
+              <a:ext uri="{FF2B5EF4-FFF2-40B4-BE49-F238E27FC236}">
+                <a16:creationId xmlns:a16="http://schemas.microsoft.com/office/drawing/2014/main" id="{16D9D784-A7AB-3305-A4AD-D7CC5B1E5AA7}"/>
+              </a:ext>
+            </a:extLst>
+          </p:cNvPr>
+          <p:cNvSpPr txBox="1"/>
+          <p:nvPr/>
+        </p:nvSpPr>
+        <p:spPr>
+          <a:xfrm>
+            <a:off x="363860" y="4581869"/>
+            <a:ext cx="842134" cy="307777"/>
+          </a:xfrm>
+          <a:prstGeom prst="rect">
+            <a:avLst/>
+          </a:prstGeom>
+          <a:noFill/>
+        </p:spPr>
+        <p:txBody>
+          <a:bodyPr wrap="square">
+            <a:spAutoFit/>
+          </a:bodyPr>
+          <a:lstStyle/>
+          <a:p>
+            <a:r>
+              <a:rPr lang="ja-JP" altLang="en-US" sz="1400" dirty="0"/>
+              <a:t>要因</a:t>
+            </a:r>
+            <a:r>
+              <a:rPr lang="en-US" altLang="ja-JP" sz="1400" dirty="0"/>
+              <a:t>F</a:t>
+            </a:r>
+            <a:endParaRPr lang="ja-JP" altLang="en-US" sz="1400" dirty="0"/>
+          </a:p>
+        </p:txBody>
+      </p:sp>
+      <p:sp>
+        <p:nvSpPr>
+          <p:cNvPr id="24" name="テキスト ボックス 23">
+            <a:extLst>
+              <a:ext uri="{FF2B5EF4-FFF2-40B4-BE49-F238E27FC236}">
+                <a16:creationId xmlns:a16="http://schemas.microsoft.com/office/drawing/2014/main" id="{DC18FE0D-A005-5BDE-547A-F5AE0B54E154}"/>
+              </a:ext>
+            </a:extLst>
+          </p:cNvPr>
+          <p:cNvSpPr txBox="1"/>
+          <p:nvPr/>
+        </p:nvSpPr>
+        <p:spPr>
+          <a:xfrm>
+            <a:off x="363860" y="3933416"/>
+            <a:ext cx="842134" cy="307777"/>
+          </a:xfrm>
+          <a:prstGeom prst="rect">
+            <a:avLst/>
+          </a:prstGeom>
+          <a:noFill/>
+        </p:spPr>
+        <p:txBody>
+          <a:bodyPr wrap="square">
+            <a:spAutoFit/>
+          </a:bodyPr>
+          <a:lstStyle/>
+          <a:p>
+            <a:r>
+              <a:rPr lang="ja-JP" altLang="en-US" sz="1400" dirty="0"/>
+              <a:t>要因</a:t>
+            </a:r>
+            <a:r>
+              <a:rPr lang="en-US" altLang="ja-JP" sz="1400" dirty="0"/>
+              <a:t>G</a:t>
+            </a:r>
+            <a:endParaRPr lang="ja-JP" altLang="en-US" sz="1400" dirty="0"/>
+          </a:p>
+        </p:txBody>
+      </p:sp>
+      <p:sp>
+        <p:nvSpPr>
+          <p:cNvPr id="25" name="正方形/長方形 24">
+            <a:extLst>
+              <a:ext uri="{FF2B5EF4-FFF2-40B4-BE49-F238E27FC236}">
+                <a16:creationId xmlns:a16="http://schemas.microsoft.com/office/drawing/2014/main" id="{B23C177C-775F-5957-B619-A8763BDE7EE7}"/>
+              </a:ext>
+            </a:extLst>
+          </p:cNvPr>
+          <p:cNvSpPr/>
+          <p:nvPr/>
+        </p:nvSpPr>
+        <p:spPr>
+          <a:xfrm>
+            <a:off x="364911" y="2634426"/>
+            <a:ext cx="2921030" cy="1606613"/>
+          </a:xfrm>
+          <a:prstGeom prst="rect">
+            <a:avLst/>
+          </a:prstGeom>
+          <a:noFill/>
+        </p:spPr>
+        <p:style>
+          <a:lnRef idx="2">
+            <a:schemeClr val="accent1">
+              <a:shade val="15000"/>
+            </a:schemeClr>
+          </a:lnRef>
+          <a:fillRef idx="1">
+            <a:schemeClr val="accent1"/>
+          </a:fillRef>
+          <a:effectRef idx="0">
+            <a:schemeClr val="accent1"/>
+          </a:effectRef>
+          <a:fontRef idx="minor">
+            <a:schemeClr val="lt1"/>
+          </a:fontRef>
+        </p:style>
+        <p:txBody>
+          <a:bodyPr rtlCol="0" anchor="ctr"/>
+          <a:lstStyle/>
+          <a:p>
+            <a:pPr algn="ctr"/>
+            <a:endParaRPr kumimoji="1" lang="ja-JP" altLang="en-US"/>
+          </a:p>
+        </p:txBody>
+      </p:sp>
+      <p:sp>
+        <p:nvSpPr>
+          <p:cNvPr id="26" name="吹き出し: 角を丸めた四角形 25">
+            <a:extLst>
+              <a:ext uri="{FF2B5EF4-FFF2-40B4-BE49-F238E27FC236}">
+                <a16:creationId xmlns:a16="http://schemas.microsoft.com/office/drawing/2014/main" id="{D9DD0B74-281F-9FDB-DE97-90FCA8218726}"/>
+              </a:ext>
+            </a:extLst>
+          </p:cNvPr>
+          <p:cNvSpPr/>
+          <p:nvPr/>
+        </p:nvSpPr>
+        <p:spPr>
+          <a:xfrm>
+            <a:off x="3515524" y="3050825"/>
+            <a:ext cx="1986526" cy="950015"/>
+          </a:xfrm>
+          <a:prstGeom prst="wedgeRoundRectCallout">
+            <a:avLst>
+              <a:gd name="adj1" fmla="val -72513"/>
+              <a:gd name="adj2" fmla="val -4965"/>
+              <a:gd name="adj3" fmla="val 16667"/>
+            </a:avLst>
+          </a:prstGeom>
+          <a:solidFill>
+            <a:schemeClr val="bg1"/>
+          </a:solidFill>
+        </p:spPr>
+        <p:style>
+          <a:lnRef idx="2">
+            <a:schemeClr val="accent1">
+              <a:shade val="15000"/>
+            </a:schemeClr>
+          </a:lnRef>
+          <a:fillRef idx="1">
+            <a:schemeClr val="accent1"/>
+          </a:fillRef>
+          <a:effectRef idx="0">
+            <a:schemeClr val="accent1"/>
+          </a:effectRef>
+          <a:fontRef idx="minor">
+            <a:schemeClr val="lt1"/>
+          </a:fontRef>
+        </p:style>
+        <p:txBody>
+          <a:bodyPr rtlCol="0" anchor="ctr"/>
+          <a:lstStyle/>
+          <a:p>
+            <a:r>
+              <a:rPr kumimoji="1" lang="ja-JP" altLang="en-US" sz="1200" b="1" dirty="0">
+                <a:solidFill>
+                  <a:schemeClr val="tx1"/>
+                </a:solidFill>
+              </a:rPr>
+              <a:t>正解要因</a:t>
+            </a:r>
+            <a:r>
+              <a:rPr kumimoji="1" lang="en-US" altLang="ja-JP" sz="1200" b="1" dirty="0">
+                <a:solidFill>
+                  <a:schemeClr val="tx1"/>
+                </a:solidFill>
+              </a:rPr>
+              <a:t>B</a:t>
+            </a:r>
+            <a:r>
+              <a:rPr kumimoji="1" lang="ja-JP" altLang="en-US" sz="1200" b="1" dirty="0">
+                <a:solidFill>
+                  <a:schemeClr val="tx1"/>
+                </a:solidFill>
+              </a:rPr>
+              <a:t>が上位</a:t>
+            </a:r>
+            <a:r>
+              <a:rPr kumimoji="1" lang="en-US" altLang="ja-JP" sz="1200" b="1" dirty="0">
+                <a:solidFill>
+                  <a:schemeClr val="tx1"/>
+                </a:solidFill>
+              </a:rPr>
+              <a:t>5</a:t>
+            </a:r>
+            <a:r>
+              <a:rPr kumimoji="1" lang="ja-JP" altLang="en-US" sz="1200" b="1" dirty="0">
+                <a:solidFill>
+                  <a:schemeClr val="tx1"/>
+                </a:solidFill>
+              </a:rPr>
+              <a:t>個の中に入っている</a:t>
+            </a:r>
+            <a:endParaRPr kumimoji="1" lang="en-US" altLang="ja-JP" sz="1200" b="1" dirty="0">
+              <a:solidFill>
+                <a:schemeClr val="tx1"/>
+              </a:solidFill>
+            </a:endParaRPr>
+          </a:p>
+          <a:p>
+            <a:r>
+              <a:rPr lang="ja-JP" altLang="en-US" sz="1200" b="1" dirty="0">
+                <a:solidFill>
+                  <a:schemeClr val="tx1"/>
+                </a:solidFill>
+              </a:rPr>
+              <a:t>＝</a:t>
+            </a:r>
+            <a:r>
+              <a:rPr lang="ja-JP" altLang="en-US" sz="1200" b="1" dirty="0">
+                <a:solidFill>
+                  <a:srgbClr val="00B050"/>
+                </a:solidFill>
+              </a:rPr>
+              <a:t>正解！</a:t>
+            </a:r>
+            <a:endParaRPr kumimoji="1" lang="ja-JP" altLang="en-US" sz="1200" b="1" dirty="0">
+              <a:solidFill>
+                <a:srgbClr val="00B050"/>
+              </a:solidFill>
+            </a:endParaRPr>
+          </a:p>
+        </p:txBody>
+      </p:sp>
+      <p:sp>
+        <p:nvSpPr>
+          <p:cNvPr id="28" name="正方形/長方形 27">
+            <a:extLst>
+              <a:ext uri="{FF2B5EF4-FFF2-40B4-BE49-F238E27FC236}">
+                <a16:creationId xmlns:a16="http://schemas.microsoft.com/office/drawing/2014/main" id="{AC053454-B211-8823-218D-B148E173FBE3}"/>
+              </a:ext>
+            </a:extLst>
+          </p:cNvPr>
+          <p:cNvSpPr/>
+          <p:nvPr/>
+        </p:nvSpPr>
+        <p:spPr>
+          <a:xfrm>
+            <a:off x="3515524" y="4500567"/>
+            <a:ext cx="7876130" cy="1608030"/>
+          </a:xfrm>
+          <a:prstGeom prst="rect">
+            <a:avLst/>
+          </a:prstGeom>
+          <a:solidFill>
+            <a:srgbClr val="FFFFCC"/>
+          </a:solidFill>
+          <a:ln>
+            <a:solidFill>
+              <a:schemeClr val="tx1"/>
+            </a:solidFill>
+          </a:ln>
+        </p:spPr>
+        <p:style>
+          <a:lnRef idx="2">
+            <a:schemeClr val="accent1">
+              <a:shade val="15000"/>
+            </a:schemeClr>
+          </a:lnRef>
+          <a:fillRef idx="1">
+            <a:schemeClr val="accent1"/>
+          </a:fillRef>
+          <a:effectRef idx="0">
+            <a:schemeClr val="accent1"/>
+          </a:effectRef>
+          <a:fontRef idx="minor">
+            <a:schemeClr val="lt1"/>
+          </a:fontRef>
+        </p:style>
+        <p:txBody>
+          <a:bodyPr rtlCol="0" anchor="ctr"/>
+          <a:lstStyle/>
+          <a:p>
+            <a:r>
+              <a:rPr kumimoji="1" lang="en-US" altLang="ja-JP" dirty="0">
+                <a:solidFill>
+                  <a:schemeClr val="tx1"/>
+                </a:solidFill>
+              </a:rPr>
+              <a:t>N</a:t>
+            </a:r>
+            <a:r>
+              <a:rPr kumimoji="1" lang="ja-JP" altLang="en-US" dirty="0">
+                <a:solidFill>
+                  <a:schemeClr val="tx1"/>
+                </a:solidFill>
+              </a:rPr>
+              <a:t>の値</a:t>
+            </a:r>
+            <a:r>
+              <a:rPr lang="ja-JP" altLang="en-US" dirty="0">
+                <a:solidFill>
+                  <a:schemeClr val="tx1"/>
+                </a:solidFill>
+              </a:rPr>
+              <a:t>の</a:t>
+            </a:r>
+            <a:r>
+              <a:rPr kumimoji="1" lang="ja-JP" altLang="en-US" dirty="0">
+                <a:solidFill>
+                  <a:schemeClr val="tx1"/>
+                </a:solidFill>
+              </a:rPr>
+              <a:t>設定が必要</a:t>
+            </a:r>
+            <a:endParaRPr kumimoji="1" lang="en-US" altLang="ja-JP" dirty="0">
+              <a:solidFill>
+                <a:schemeClr val="tx1"/>
+              </a:solidFill>
+            </a:endParaRPr>
+          </a:p>
+          <a:p>
+            <a:endParaRPr lang="en-US" altLang="ja-JP" dirty="0">
+              <a:solidFill>
+                <a:schemeClr val="tx1"/>
+              </a:solidFill>
+            </a:endParaRPr>
+          </a:p>
+          <a:p>
+            <a:r>
+              <a:rPr lang="ja-JP" altLang="en-US" dirty="0">
+                <a:solidFill>
+                  <a:schemeClr val="tx1"/>
+                </a:solidFill>
+              </a:rPr>
+              <a:t>上期は必要最低ラインの精度で考えています</a:t>
+            </a:r>
+            <a:endParaRPr lang="en-US" altLang="ja-JP" dirty="0">
+              <a:solidFill>
+                <a:schemeClr val="tx1"/>
+              </a:solidFill>
+            </a:endParaRPr>
+          </a:p>
+          <a:p>
+            <a:r>
+              <a:rPr lang="en-US" altLang="ja-JP" dirty="0">
+                <a:solidFill>
+                  <a:schemeClr val="tx1"/>
+                </a:solidFill>
+              </a:rPr>
+              <a:t>N=3</a:t>
+            </a:r>
+            <a:r>
+              <a:rPr lang="ja-JP" altLang="en-US" dirty="0">
+                <a:solidFill>
+                  <a:schemeClr val="tx1"/>
+                </a:solidFill>
+              </a:rPr>
+              <a:t>で正解率</a:t>
+            </a:r>
+            <a:r>
+              <a:rPr lang="en-US" altLang="ja-JP" dirty="0">
+                <a:solidFill>
+                  <a:schemeClr val="tx1"/>
+                </a:solidFill>
+              </a:rPr>
+              <a:t>70%</a:t>
+            </a:r>
+            <a:r>
+              <a:rPr lang="ja-JP" altLang="en-US" dirty="0">
+                <a:solidFill>
+                  <a:schemeClr val="tx1"/>
+                </a:solidFill>
+              </a:rPr>
+              <a:t>ぐらいで考えているのですが、どうでしょうか</a:t>
+            </a:r>
+            <a:endParaRPr lang="en-US" altLang="ja-JP" dirty="0">
+              <a:solidFill>
+                <a:schemeClr val="tx1"/>
+              </a:solidFill>
+            </a:endParaRPr>
+          </a:p>
+        </p:txBody>
+      </p:sp>
+      <p:sp>
+        <p:nvSpPr>
+          <p:cNvPr id="29" name="正方形/長方形 28">
+            <a:extLst>
+              <a:ext uri="{FF2B5EF4-FFF2-40B4-BE49-F238E27FC236}">
+                <a16:creationId xmlns:a16="http://schemas.microsoft.com/office/drawing/2014/main" id="{61A1F256-04A7-92D4-952B-33A85FEC0D67}"/>
+              </a:ext>
+            </a:extLst>
+          </p:cNvPr>
+          <p:cNvSpPr/>
+          <p:nvPr/>
+        </p:nvSpPr>
+        <p:spPr>
+          <a:xfrm>
+            <a:off x="454876" y="5721115"/>
+            <a:ext cx="430653" cy="177046"/>
+          </a:xfrm>
+          <a:prstGeom prst="rect">
+            <a:avLst/>
+          </a:prstGeom>
+        </p:spPr>
+        <p:style>
+          <a:lnRef idx="2">
+            <a:schemeClr val="accent1">
+              <a:shade val="15000"/>
+            </a:schemeClr>
+          </a:lnRef>
+          <a:fillRef idx="1">
+            <a:schemeClr val="accent1"/>
+          </a:fillRef>
+          <a:effectRef idx="0">
+            <a:schemeClr val="accent1"/>
+          </a:effectRef>
+          <a:fontRef idx="minor">
+            <a:schemeClr val="lt1"/>
+          </a:fontRef>
+        </p:style>
+        <p:txBody>
+          <a:bodyPr rtlCol="0" anchor="ctr"/>
+          <a:lstStyle/>
+          <a:p>
+            <a:pPr algn="ctr"/>
+            <a:endParaRPr kumimoji="1" lang="ja-JP" altLang="en-US"/>
+          </a:p>
+        </p:txBody>
+      </p:sp>
+      <p:sp>
+        <p:nvSpPr>
+          <p:cNvPr id="31" name="テキスト ボックス 30">
+            <a:extLst>
+              <a:ext uri="{FF2B5EF4-FFF2-40B4-BE49-F238E27FC236}">
+                <a16:creationId xmlns:a16="http://schemas.microsoft.com/office/drawing/2014/main" id="{2604012B-AB3A-304D-95B8-B25786953196}"/>
+              </a:ext>
+            </a:extLst>
+          </p:cNvPr>
+          <p:cNvSpPr txBox="1"/>
+          <p:nvPr/>
+        </p:nvSpPr>
+        <p:spPr>
+          <a:xfrm>
+            <a:off x="910457" y="5645346"/>
+            <a:ext cx="2064148" cy="369332"/>
+          </a:xfrm>
+          <a:prstGeom prst="rect">
+            <a:avLst/>
+          </a:prstGeom>
+          <a:noFill/>
+        </p:spPr>
+        <p:txBody>
+          <a:bodyPr wrap="square">
+            <a:spAutoFit/>
+          </a:bodyPr>
+          <a:lstStyle/>
+          <a:p>
+            <a:r>
+              <a:rPr lang="ja-JP" altLang="en-US" dirty="0"/>
+              <a:t>は寄与度の大きさ</a:t>
+            </a:r>
+          </a:p>
+        </p:txBody>
+      </p:sp>
+      <p:sp>
+        <p:nvSpPr>
+          <p:cNvPr id="34" name="テキスト ボックス 33">
+            <a:extLst>
+              <a:ext uri="{FF2B5EF4-FFF2-40B4-BE49-F238E27FC236}">
+                <a16:creationId xmlns:a16="http://schemas.microsoft.com/office/drawing/2014/main" id="{D5A9E64C-E315-2953-9536-333C12F0128B}"/>
+              </a:ext>
+            </a:extLst>
+          </p:cNvPr>
+          <p:cNvSpPr txBox="1"/>
+          <p:nvPr/>
+        </p:nvSpPr>
+        <p:spPr>
+          <a:xfrm>
+            <a:off x="6455369" y="3126220"/>
+            <a:ext cx="4263759" cy="646331"/>
+          </a:xfrm>
+          <a:prstGeom prst="rect">
+            <a:avLst/>
+          </a:prstGeom>
+          <a:noFill/>
+        </p:spPr>
+        <p:txBody>
+          <a:bodyPr wrap="square">
+            <a:spAutoFit/>
+          </a:bodyPr>
+          <a:lstStyle/>
+          <a:p>
+            <a:r>
+              <a:rPr lang="en-US" altLang="ja-JP" dirty="0"/>
+              <a:t>N=1</a:t>
+            </a:r>
+            <a:r>
+              <a:rPr lang="ja-JP" altLang="en-US" dirty="0"/>
+              <a:t>は完全一致</a:t>
+            </a:r>
+            <a:endParaRPr lang="en-US" altLang="ja-JP" dirty="0"/>
+          </a:p>
+          <a:p>
+            <a:r>
+              <a:rPr lang="en-US" altLang="ja-JP" dirty="0"/>
+              <a:t>N</a:t>
+            </a:r>
+            <a:r>
+              <a:rPr lang="ja-JP" altLang="en-US" dirty="0"/>
+              <a:t>が大きくなると正解の幅広がる</a:t>
+            </a:r>
+          </a:p>
+        </p:txBody>
+      </p:sp>
+      <p:sp>
+        <p:nvSpPr>
+          <p:cNvPr id="35" name="矢印: 右 34">
+            <a:extLst>
+              <a:ext uri="{FF2B5EF4-FFF2-40B4-BE49-F238E27FC236}">
+                <a16:creationId xmlns:a16="http://schemas.microsoft.com/office/drawing/2014/main" id="{5183C395-7A20-CA26-7C85-CABDDFC33B4F}"/>
+              </a:ext>
+            </a:extLst>
+          </p:cNvPr>
+          <p:cNvSpPr/>
+          <p:nvPr/>
+        </p:nvSpPr>
+        <p:spPr>
+          <a:xfrm rot="5400000">
+            <a:off x="7721993" y="3946954"/>
+            <a:ext cx="439561" cy="270103"/>
+          </a:xfrm>
+          <a:prstGeom prst="rightArrow">
+            <a:avLst/>
+          </a:prstGeom>
+        </p:spPr>
+        <p:style>
+          <a:lnRef idx="2">
+            <a:schemeClr val="accent1">
+              <a:shade val="15000"/>
+            </a:schemeClr>
+          </a:lnRef>
+          <a:fillRef idx="1">
+            <a:schemeClr val="accent1"/>
+          </a:fillRef>
+          <a:effectRef idx="0">
+            <a:schemeClr val="accent1"/>
+          </a:effectRef>
+          <a:fontRef idx="minor">
+            <a:schemeClr val="lt1"/>
+          </a:fontRef>
+        </p:style>
+        <p:txBody>
+          <a:bodyPr rtlCol="0" anchor="ctr"/>
+          <a:lstStyle/>
+          <a:p>
+            <a:pPr algn="ctr"/>
+            <a:endParaRPr kumimoji="1" lang="ja-JP" altLang="en-US"/>
+          </a:p>
+        </p:txBody>
+      </p:sp>
+      <p:sp>
+        <p:nvSpPr>
+          <p:cNvPr id="37" name="テキスト ボックス 36">
+            <a:extLst>
+              <a:ext uri="{FF2B5EF4-FFF2-40B4-BE49-F238E27FC236}">
+                <a16:creationId xmlns:a16="http://schemas.microsoft.com/office/drawing/2014/main" id="{6D0949A5-D992-5D77-5FC4-CCFF6F279E21}"/>
+              </a:ext>
+            </a:extLst>
+          </p:cNvPr>
+          <p:cNvSpPr txBox="1"/>
+          <p:nvPr/>
+        </p:nvSpPr>
+        <p:spPr>
+          <a:xfrm>
+            <a:off x="8171947" y="3881372"/>
+            <a:ext cx="4020053" cy="369332"/>
+          </a:xfrm>
+          <a:prstGeom prst="rect">
+            <a:avLst/>
+          </a:prstGeom>
+          <a:noFill/>
+        </p:spPr>
+        <p:txBody>
+          <a:bodyPr wrap="square">
+            <a:spAutoFit/>
+          </a:bodyPr>
+          <a:lstStyle/>
+          <a:p>
+            <a:r>
+              <a:rPr lang="ja-JP" altLang="en-US" dirty="0"/>
+              <a:t>はじめから</a:t>
+            </a:r>
+            <a:r>
+              <a:rPr lang="en-US" altLang="ja-JP" dirty="0"/>
+              <a:t>N=1</a:t>
+            </a:r>
+            <a:r>
+              <a:rPr lang="ja-JP" altLang="en-US" dirty="0"/>
+              <a:t>は難易度高めな印象</a:t>
+            </a:r>
           </a:p>
         </p:txBody>
       </p:sp>
     </p:spTree>
     <p:extLst>
       <p:ext uri="{BB962C8B-B14F-4D97-AF65-F5344CB8AC3E}">
-        <p14:creationId xmlns:p14="http://schemas.microsoft.com/office/powerpoint/2010/main" val="2561477704"/>
+        <p14:creationId xmlns:p14="http://schemas.microsoft.com/office/powerpoint/2010/main" val="2725412544"/>
       </p:ext>
     </p:extLst>
   </p:cSld>
@@ -23518,442 +24716,10 @@
       </p:grpSpPr>
       <p:sp>
         <p:nvSpPr>
-          <p:cNvPr id="2" name="テキスト プレースホルダー 1">
-            <a:extLst>
-              <a:ext uri="{FF2B5EF4-FFF2-40B4-BE49-F238E27FC236}">
-                <a16:creationId xmlns:a16="http://schemas.microsoft.com/office/drawing/2014/main" id="{9CA29D42-6510-9F4B-7978-02F9A0535628}"/>
-              </a:ext>
-            </a:extLst>
-          </p:cNvPr>
-          <p:cNvSpPr>
-            <a:spLocks noGrp="1"/>
-          </p:cNvSpPr>
-          <p:nvPr>
-            <p:ph type="body" sz="quarter" idx="18"/>
-          </p:nvPr>
-        </p:nvSpPr>
-        <p:spPr/>
-        <p:txBody>
-          <a:bodyPr/>
-          <a:lstStyle/>
-          <a:p>
-            <a:pPr rtl="0">
-              <a:spcBef>
-                <a:spcPts val="0"/>
-              </a:spcBef>
-              <a:spcAft>
-                <a:spcPts val="0"/>
-              </a:spcAft>
-            </a:pPr>
-            <a:r>
-              <a:rPr lang="ja-JP" altLang="en-US" sz="1800" b="0" i="0" u="none" strike="noStrike" dirty="0">
-                <a:solidFill>
-                  <a:srgbClr val="000000"/>
-                </a:solidFill>
-                <a:effectLst/>
-                <a:latin typeface="Arial" panose="020B0604020202020204" pitchFamily="34" charset="0"/>
-              </a:rPr>
-              <a:t>トピック</a:t>
-            </a:r>
-            <a:endParaRPr lang="ja-JP" altLang="en-US" b="0" dirty="0">
-              <a:effectLst/>
-            </a:endParaRPr>
-          </a:p>
-          <a:p>
-            <a:pPr rtl="0">
-              <a:spcBef>
-                <a:spcPts val="0"/>
-              </a:spcBef>
-              <a:spcAft>
-                <a:spcPts val="0"/>
-              </a:spcAft>
-            </a:pPr>
-            <a:r>
-              <a:rPr lang="ja-JP" altLang="en-US" sz="1800" b="0" i="0" u="none" strike="noStrike" dirty="0">
-                <a:solidFill>
-                  <a:srgbClr val="000000"/>
-                </a:solidFill>
-                <a:effectLst/>
-                <a:latin typeface="Arial" panose="020B0604020202020204" pitchFamily="34" charset="0"/>
-              </a:rPr>
-              <a:t>・もの革さんとの事前打ち合わせの準備</a:t>
-            </a:r>
-            <a:endParaRPr lang="ja-JP" altLang="en-US" b="0" dirty="0">
-              <a:effectLst/>
-            </a:endParaRPr>
-          </a:p>
-          <a:p>
-            <a:pPr rtl="0">
-              <a:spcBef>
-                <a:spcPts val="0"/>
-              </a:spcBef>
-              <a:spcAft>
-                <a:spcPts val="0"/>
-              </a:spcAft>
-            </a:pPr>
-            <a:r>
-              <a:rPr lang="ja-JP" altLang="en-US" sz="1800" b="0" i="0" u="none" strike="noStrike" dirty="0">
-                <a:solidFill>
-                  <a:srgbClr val="000000"/>
-                </a:solidFill>
-                <a:effectLst/>
-                <a:latin typeface="Arial" panose="020B0604020202020204" pitchFamily="34" charset="0"/>
-              </a:rPr>
-              <a:t>・</a:t>
-            </a:r>
-            <a:r>
-              <a:rPr lang="en-US" altLang="ja-JP" sz="1800" b="0" i="0" u="none" strike="noStrike" dirty="0">
-                <a:solidFill>
-                  <a:srgbClr val="000000"/>
-                </a:solidFill>
-                <a:effectLst/>
-                <a:latin typeface="Arial" panose="020B0604020202020204" pitchFamily="34" charset="0"/>
-              </a:rPr>
-              <a:t>DX3</a:t>
-            </a:r>
-            <a:r>
-              <a:rPr lang="ja-JP" altLang="en-US" sz="1800" b="0" i="0" u="none" strike="noStrike" dirty="0">
-                <a:solidFill>
-                  <a:srgbClr val="000000"/>
-                </a:solidFill>
-                <a:effectLst/>
-                <a:latin typeface="Arial" panose="020B0604020202020204" pitchFamily="34" charset="0"/>
-              </a:rPr>
-              <a:t>部さんとデータ連携の進め方整理</a:t>
-            </a:r>
-            <a:endParaRPr lang="ja-JP" altLang="en-US" b="0" dirty="0">
-              <a:effectLst/>
-            </a:endParaRPr>
-          </a:p>
-          <a:p>
-            <a:pPr rtl="0">
-              <a:spcBef>
-                <a:spcPts val="0"/>
-              </a:spcBef>
-              <a:spcAft>
-                <a:spcPts val="0"/>
-              </a:spcAft>
-            </a:pPr>
-            <a:br>
-              <a:rPr lang="ja-JP" altLang="en-US" b="0" dirty="0">
-                <a:effectLst/>
-              </a:rPr>
-            </a:br>
-            <a:r>
-              <a:rPr lang="ja-JP" altLang="en-US" sz="1800" b="0" i="0" u="none" strike="noStrike" dirty="0">
-                <a:solidFill>
-                  <a:srgbClr val="000000"/>
-                </a:solidFill>
-                <a:effectLst/>
-                <a:latin typeface="Arial" panose="020B0604020202020204" pitchFamily="34" charset="0"/>
-              </a:rPr>
-              <a:t>詳細</a:t>
-            </a:r>
-            <a:endParaRPr lang="ja-JP" altLang="en-US" b="0" dirty="0">
-              <a:effectLst/>
-            </a:endParaRPr>
-          </a:p>
-          <a:p>
-            <a:pPr rtl="0">
-              <a:spcBef>
-                <a:spcPts val="0"/>
-              </a:spcBef>
-              <a:spcAft>
-                <a:spcPts val="0"/>
-              </a:spcAft>
-            </a:pPr>
-            <a:r>
-              <a:rPr lang="ja-JP" altLang="en-US" sz="1800" b="0" i="0" u="none" strike="noStrike" dirty="0">
-                <a:solidFill>
-                  <a:srgbClr val="000000"/>
-                </a:solidFill>
-                <a:effectLst/>
-                <a:latin typeface="Arial" panose="020B0604020202020204" pitchFamily="34" charset="0"/>
-              </a:rPr>
-              <a:t>・もの革さんとの事前打ち合わせの準備</a:t>
-            </a:r>
-            <a:endParaRPr lang="ja-JP" altLang="en-US" b="0" dirty="0">
-              <a:effectLst/>
-            </a:endParaRPr>
-          </a:p>
-          <a:p>
-            <a:pPr rtl="0">
-              <a:spcBef>
-                <a:spcPts val="0"/>
-              </a:spcBef>
-              <a:spcAft>
-                <a:spcPts val="0"/>
-              </a:spcAft>
-            </a:pPr>
-            <a:r>
-              <a:rPr lang="ja-JP" altLang="en-US" sz="1800" b="0" i="0" u="none" strike="noStrike" dirty="0">
-                <a:solidFill>
-                  <a:srgbClr val="000000"/>
-                </a:solidFill>
-                <a:effectLst/>
-                <a:latin typeface="Arial" panose="020B0604020202020204" pitchFamily="34" charset="0"/>
-              </a:rPr>
-              <a:t>　・前回の打ち合わせの</a:t>
-            </a:r>
-            <a:r>
-              <a:rPr lang="en-US" altLang="ja-JP" sz="1800" b="0" i="0" u="none" strike="noStrike" dirty="0" err="1">
-                <a:solidFill>
-                  <a:srgbClr val="000000"/>
-                </a:solidFill>
-                <a:effectLst/>
-                <a:latin typeface="Arial" panose="020B0604020202020204" pitchFamily="34" charset="0"/>
-              </a:rPr>
-              <a:t>ToDo</a:t>
-            </a:r>
-            <a:endParaRPr lang="ja-JP" altLang="en-US" b="0" dirty="0">
-              <a:effectLst/>
-            </a:endParaRPr>
-          </a:p>
-          <a:p>
-            <a:pPr rtl="0">
-              <a:spcBef>
-                <a:spcPts val="0"/>
-              </a:spcBef>
-              <a:spcAft>
-                <a:spcPts val="0"/>
-              </a:spcAft>
-            </a:pPr>
-            <a:r>
-              <a:rPr lang="ja-JP" altLang="en-US" sz="1800" b="0" i="0" u="none" strike="noStrike" dirty="0">
-                <a:solidFill>
-                  <a:srgbClr val="000000"/>
-                </a:solidFill>
-                <a:effectLst/>
-                <a:latin typeface="Arial" panose="020B0604020202020204" pitchFamily="34" charset="0"/>
-              </a:rPr>
-              <a:t>       済・上期マイルストーンの明文化</a:t>
-            </a:r>
-            <a:endParaRPr lang="ja-JP" altLang="en-US" b="0" dirty="0">
-              <a:effectLst/>
-            </a:endParaRPr>
-          </a:p>
-          <a:p>
-            <a:pPr rtl="0">
-              <a:spcBef>
-                <a:spcPts val="0"/>
-              </a:spcBef>
-              <a:spcAft>
-                <a:spcPts val="0"/>
-              </a:spcAft>
-            </a:pPr>
-            <a:r>
-              <a:rPr lang="ja-JP" altLang="en-US" sz="1800" b="0" i="0" u="none" strike="noStrike" dirty="0">
-                <a:solidFill>
-                  <a:srgbClr val="000000"/>
-                </a:solidFill>
-                <a:effectLst/>
-                <a:latin typeface="Arial" panose="020B0604020202020204" pitchFamily="34" charset="0"/>
-              </a:rPr>
-              <a:t>　　済・要因粒度議論のための準備</a:t>
-            </a:r>
-            <a:endParaRPr lang="ja-JP" altLang="en-US" b="0" dirty="0">
-              <a:effectLst/>
-            </a:endParaRPr>
-          </a:p>
-          <a:p>
-            <a:pPr rtl="0">
-              <a:spcBef>
-                <a:spcPts val="0"/>
-              </a:spcBef>
-              <a:spcAft>
-                <a:spcPts val="0"/>
-              </a:spcAft>
-            </a:pPr>
-            <a:r>
-              <a:rPr lang="ja-JP" altLang="en-US" sz="1800" b="0" i="0" u="none" strike="noStrike" dirty="0">
-                <a:solidFill>
-                  <a:srgbClr val="000000"/>
-                </a:solidFill>
-                <a:effectLst/>
-                <a:latin typeface="Arial" panose="020B0604020202020204" pitchFamily="34" charset="0"/>
-              </a:rPr>
-              <a:t>　　済・</a:t>
-            </a:r>
-            <a:r>
-              <a:rPr lang="en-US" altLang="ja-JP" sz="1800" b="0" i="0" u="none" strike="noStrike" dirty="0">
-                <a:solidFill>
-                  <a:srgbClr val="000000"/>
-                </a:solidFill>
-                <a:effectLst/>
-                <a:latin typeface="Arial" panose="020B0604020202020204" pitchFamily="34" charset="0"/>
-              </a:rPr>
-              <a:t>UI</a:t>
-            </a:r>
-            <a:r>
-              <a:rPr lang="ja-JP" altLang="en-US" sz="1800" b="0" i="0" u="none" strike="noStrike" dirty="0">
-                <a:solidFill>
-                  <a:srgbClr val="000000"/>
-                </a:solidFill>
-                <a:effectLst/>
-                <a:latin typeface="Arial" panose="020B0604020202020204" pitchFamily="34" charset="0"/>
-              </a:rPr>
-              <a:t>要望出し進め方作成</a:t>
-            </a:r>
-            <a:endParaRPr lang="ja-JP" altLang="en-US" b="0" dirty="0">
-              <a:effectLst/>
-            </a:endParaRPr>
-          </a:p>
-          <a:p>
-            <a:pPr rtl="0">
-              <a:spcBef>
-                <a:spcPts val="0"/>
-              </a:spcBef>
-              <a:spcAft>
-                <a:spcPts val="0"/>
-              </a:spcAft>
-            </a:pPr>
-            <a:br>
-              <a:rPr lang="ja-JP" altLang="en-US" b="0" dirty="0">
-                <a:effectLst/>
-              </a:rPr>
-            </a:br>
-            <a:r>
-              <a:rPr lang="ja-JP" altLang="en-US" sz="1800" b="0" i="0" u="none" strike="noStrike" dirty="0">
-                <a:solidFill>
-                  <a:srgbClr val="000000"/>
-                </a:solidFill>
-                <a:effectLst/>
-                <a:latin typeface="Arial" panose="020B0604020202020204" pitchFamily="34" charset="0"/>
-              </a:rPr>
-              <a:t>・</a:t>
-            </a:r>
-            <a:r>
-              <a:rPr lang="en-US" altLang="ja-JP" sz="1800" b="0" i="0" u="none" strike="noStrike" dirty="0">
-                <a:solidFill>
-                  <a:srgbClr val="000000"/>
-                </a:solidFill>
-                <a:effectLst/>
-                <a:latin typeface="Arial" panose="020B0604020202020204" pitchFamily="34" charset="0"/>
-              </a:rPr>
-              <a:t>DX3</a:t>
-            </a:r>
-            <a:r>
-              <a:rPr lang="ja-JP" altLang="en-US" sz="1800" b="0" i="0" u="none" strike="noStrike" dirty="0">
-                <a:solidFill>
-                  <a:srgbClr val="000000"/>
-                </a:solidFill>
-                <a:effectLst/>
-                <a:latin typeface="Arial" panose="020B0604020202020204" pitchFamily="34" charset="0"/>
-              </a:rPr>
-              <a:t>部さんとデータ連携の進め方整理</a:t>
-            </a:r>
-            <a:endParaRPr lang="ja-JP" altLang="en-US" b="0" dirty="0">
-              <a:effectLst/>
-            </a:endParaRPr>
-          </a:p>
-          <a:p>
-            <a:pPr rtl="0">
-              <a:spcBef>
-                <a:spcPts val="0"/>
-              </a:spcBef>
-              <a:spcAft>
-                <a:spcPts val="0"/>
-              </a:spcAft>
-            </a:pPr>
-            <a:r>
-              <a:rPr lang="ja-JP" altLang="en-US" sz="1800" b="0" i="0" u="none" strike="noStrike" dirty="0">
-                <a:solidFill>
-                  <a:srgbClr val="000000"/>
-                </a:solidFill>
-                <a:effectLst/>
-                <a:latin typeface="Arial" panose="020B0604020202020204" pitchFamily="34" charset="0"/>
-              </a:rPr>
-              <a:t>　・タスクの洗い出しを行った。</a:t>
-            </a:r>
-            <a:r>
-              <a:rPr lang="en-US" altLang="ja-JP" sz="1800" b="0" i="0" u="none" strike="noStrike" dirty="0">
-                <a:solidFill>
-                  <a:srgbClr val="000000"/>
-                </a:solidFill>
-                <a:effectLst/>
-                <a:latin typeface="Arial" panose="020B0604020202020204" pitchFamily="34" charset="0"/>
-              </a:rPr>
-              <a:t>DX3</a:t>
-            </a:r>
-            <a:r>
-              <a:rPr lang="ja-JP" altLang="en-US" sz="1800" b="0" i="0" u="none" strike="noStrike" dirty="0">
-                <a:solidFill>
-                  <a:srgbClr val="000000"/>
-                </a:solidFill>
-                <a:effectLst/>
-                <a:latin typeface="Arial" panose="020B0604020202020204" pitchFamily="34" charset="0"/>
-              </a:rPr>
-              <a:t>部さんにどの程度時間がかかるか確認中</a:t>
-            </a:r>
-            <a:endParaRPr lang="ja-JP" altLang="en-US" b="0" dirty="0">
-              <a:effectLst/>
-            </a:endParaRPr>
-          </a:p>
-          <a:p>
-            <a:pPr rtl="0">
-              <a:spcBef>
-                <a:spcPts val="0"/>
-              </a:spcBef>
-              <a:spcAft>
-                <a:spcPts val="0"/>
-              </a:spcAft>
-            </a:pPr>
-            <a:br>
-              <a:rPr lang="ja-JP" altLang="en-US" b="0" dirty="0">
-                <a:effectLst/>
-              </a:rPr>
-            </a:br>
-            <a:r>
-              <a:rPr lang="ja-JP" altLang="en-US" sz="1800" b="0" i="0" u="none" strike="noStrike" dirty="0">
-                <a:solidFill>
-                  <a:srgbClr val="000000"/>
-                </a:solidFill>
-                <a:effectLst/>
-                <a:latin typeface="Arial" panose="020B0604020202020204" pitchFamily="34" charset="0"/>
-              </a:rPr>
-              <a:t>課題</a:t>
-            </a:r>
-            <a:endParaRPr lang="ja-JP" altLang="en-US" b="0" dirty="0">
-              <a:effectLst/>
-            </a:endParaRPr>
-          </a:p>
-          <a:p>
-            <a:pPr rtl="0">
-              <a:spcBef>
-                <a:spcPts val="0"/>
-              </a:spcBef>
-              <a:spcAft>
-                <a:spcPts val="0"/>
-              </a:spcAft>
-            </a:pPr>
-            <a:r>
-              <a:rPr lang="ja-JP" altLang="en-US" sz="1800" b="0" i="0" u="none" strike="noStrike" dirty="0">
-                <a:solidFill>
-                  <a:srgbClr val="000000"/>
-                </a:solidFill>
-                <a:effectLst/>
-                <a:latin typeface="Arial" panose="020B0604020202020204" pitchFamily="34" charset="0"/>
-              </a:rPr>
-              <a:t>・</a:t>
-            </a:r>
-            <a:endParaRPr lang="ja-JP" altLang="en-US" b="0" dirty="0">
-              <a:effectLst/>
-            </a:endParaRPr>
-          </a:p>
-          <a:p>
-            <a:br>
-              <a:rPr lang="ja-JP" altLang="en-US" dirty="0"/>
-            </a:br>
-            <a:endParaRPr kumimoji="1" lang="ja-JP" altLang="en-US" dirty="0"/>
-          </a:p>
-        </p:txBody>
-      </p:sp>
-      <p:sp>
-        <p:nvSpPr>
           <p:cNvPr id="3" name="テキスト プレースホルダー 2">
             <a:extLst>
               <a:ext uri="{FF2B5EF4-FFF2-40B4-BE49-F238E27FC236}">
-                <a16:creationId xmlns:a16="http://schemas.microsoft.com/office/drawing/2014/main" id="{FCBA185B-675F-B506-AE4B-29720C5B2773}"/>
+                <a16:creationId xmlns:a16="http://schemas.microsoft.com/office/drawing/2014/main" id="{31792654-BB14-E26A-046B-7B3BCA209CC4}"/>
               </a:ext>
             </a:extLst>
           </p:cNvPr>
@@ -23970,8 +24736,12 @@
           <a:lstStyle/>
           <a:p>
             <a:r>
+              <a:rPr kumimoji="1" lang="en-US" altLang="ja-JP" dirty="0"/>
+              <a:t>6. UI</a:t>
+            </a:r>
+            <a:r>
               <a:rPr kumimoji="1" lang="ja-JP" altLang="en-US" dirty="0"/>
-              <a:t>スケジュール</a:t>
+              <a:t>要望出し</a:t>
             </a:r>
           </a:p>
         </p:txBody>
@@ -23981,7 +24751,7 @@
           <p:cNvPr id="4" name="日付プレースホルダー 3">
             <a:extLst>
               <a:ext uri="{FF2B5EF4-FFF2-40B4-BE49-F238E27FC236}">
-                <a16:creationId xmlns:a16="http://schemas.microsoft.com/office/drawing/2014/main" id="{5E7AD781-CEA0-80CA-DE39-C1195448A5FA}"/>
+                <a16:creationId xmlns:a16="http://schemas.microsoft.com/office/drawing/2014/main" id="{ABE52AC6-5495-03D7-9613-1890635DC26E}"/>
               </a:ext>
             </a:extLst>
           </p:cNvPr>
@@ -24000,129 +24770,393 @@
             <a:fld id="{FCAFAC13-DB77-42F2-BE26-45BA5532FD50}" type="datetime4">
               <a:rPr lang="en-US" altLang="ja-JP" smtClean="0"/>
               <a:pPr/>
-              <a:t>July 30, 2024</a:t>
+              <a:t>July 31, 2024</a:t>
             </a:fld>
             <a:endParaRPr lang="en-US" dirty="0"/>
-          </a:p>
-        </p:txBody>
-      </p:sp>
-    </p:spTree>
-    <p:extLst>
-      <p:ext uri="{BB962C8B-B14F-4D97-AF65-F5344CB8AC3E}">
-        <p14:creationId xmlns:p14="http://schemas.microsoft.com/office/powerpoint/2010/main" val="3543784520"/>
-      </p:ext>
-    </p:extLst>
-  </p:cSld>
-  <p:clrMapOvr>
-    <a:masterClrMapping/>
-  </p:clrMapOvr>
-</p:sld>
-</file>
-
-<file path=ppt/slides/slide7.xml><?xml version="1.0" encoding="utf-8"?>
-<p:sld xmlns:a="http://schemas.openxmlformats.org/drawingml/2006/main" xmlns:r="http://schemas.openxmlformats.org/officeDocument/2006/relationships" xmlns:p="http://schemas.openxmlformats.org/presentationml/2006/main">
-  <p:cSld>
-    <p:spTree>
-      <p:nvGrpSpPr>
-        <p:cNvPr id="1" name=""/>
-        <p:cNvGrpSpPr/>
-        <p:nvPr/>
-      </p:nvGrpSpPr>
-      <p:grpSpPr>
-        <a:xfrm>
-          <a:off x="0" y="0"/>
-          <a:ext cx="0" cy="0"/>
-          <a:chOff x="0" y="0"/>
-          <a:chExt cx="0" cy="0"/>
-        </a:xfrm>
-      </p:grpSpPr>
-      <p:sp>
-        <p:nvSpPr>
-          <p:cNvPr id="2" name="テキスト プレースホルダー 1">
-            <a:extLst>
-              <a:ext uri="{FF2B5EF4-FFF2-40B4-BE49-F238E27FC236}">
-                <a16:creationId xmlns:a16="http://schemas.microsoft.com/office/drawing/2014/main" id="{661B31B3-5A23-3B18-FA3C-647EA2FC88E6}"/>
-              </a:ext>
-            </a:extLst>
-          </p:cNvPr>
-          <p:cNvSpPr>
-            <a:spLocks noGrp="1"/>
-          </p:cNvSpPr>
-          <p:nvPr>
-            <p:ph type="body" sz="quarter" idx="18"/>
-          </p:nvPr>
-        </p:nvSpPr>
-        <p:spPr/>
-        <p:txBody>
-          <a:bodyPr/>
-          <a:lstStyle/>
-          <a:p>
-            <a:endParaRPr kumimoji="1" lang="ja-JP" altLang="en-US"/>
           </a:p>
         </p:txBody>
       </p:sp>
       <p:sp>
         <p:nvSpPr>
-          <p:cNvPr id="3" name="テキスト プレースホルダー 2">
+          <p:cNvPr id="6" name="テキスト ボックス 5">
             <a:extLst>
               <a:ext uri="{FF2B5EF4-FFF2-40B4-BE49-F238E27FC236}">
-                <a16:creationId xmlns:a16="http://schemas.microsoft.com/office/drawing/2014/main" id="{4D920BE5-0A6A-D34E-3E00-FD4C57FE1545}"/>
+                <a16:creationId xmlns:a16="http://schemas.microsoft.com/office/drawing/2014/main" id="{5E504B8B-F28B-26FD-44FA-DCF3EF4CB734}"/>
               </a:ext>
             </a:extLst>
           </p:cNvPr>
-          <p:cNvSpPr>
-            <a:spLocks noGrp="1"/>
-          </p:cNvSpPr>
-          <p:nvPr>
-            <p:ph type="body" sz="quarter" idx="20"/>
-          </p:nvPr>
+          <p:cNvSpPr txBox="1"/>
+          <p:nvPr/>
         </p:nvSpPr>
-        <p:spPr/>
+        <p:spPr>
+          <a:xfrm>
+            <a:off x="525668" y="1030600"/>
+            <a:ext cx="1697540" cy="369332"/>
+          </a:xfrm>
+          <a:prstGeom prst="rect">
+            <a:avLst/>
+          </a:prstGeom>
+          <a:noFill/>
+        </p:spPr>
         <p:txBody>
-          <a:bodyPr/>
+          <a:bodyPr wrap="square">
+            <a:spAutoFit/>
+          </a:bodyPr>
           <a:lstStyle/>
           <a:p>
             <a:r>
-              <a:rPr kumimoji="1" lang="ja-JP" altLang="en-US" dirty="0"/>
-              <a:t>依頼内容</a:t>
+              <a:rPr lang="ja-JP" altLang="en-US" u="sng" dirty="0"/>
+              <a:t>全体の進め方</a:t>
             </a:r>
           </a:p>
         </p:txBody>
       </p:sp>
       <p:sp>
         <p:nvSpPr>
-          <p:cNvPr id="4" name="日付プレースホルダー 3">
+          <p:cNvPr id="7" name="四角形: 角を丸くする 6">
             <a:extLst>
               <a:ext uri="{FF2B5EF4-FFF2-40B4-BE49-F238E27FC236}">
-                <a16:creationId xmlns:a16="http://schemas.microsoft.com/office/drawing/2014/main" id="{10635A82-FB74-72D5-FE73-2C2AA480CD09}"/>
+                <a16:creationId xmlns:a16="http://schemas.microsoft.com/office/drawing/2014/main" id="{763570C0-CA76-3086-38EC-C0EC79D9E91C}"/>
               </a:ext>
             </a:extLst>
           </p:cNvPr>
-          <p:cNvSpPr>
-            <a:spLocks noGrp="1"/>
-          </p:cNvSpPr>
-          <p:nvPr>
-            <p:ph type="dt" sz="half" idx="19"/>
-          </p:nvPr>
+          <p:cNvSpPr/>
+          <p:nvPr/>
         </p:nvSpPr>
-        <p:spPr/>
+        <p:spPr>
+          <a:xfrm>
+            <a:off x="1162174" y="1619475"/>
+            <a:ext cx="3150256" cy="914400"/>
+          </a:xfrm>
+          <a:prstGeom prst="roundRect">
+            <a:avLst/>
+          </a:prstGeom>
+        </p:spPr>
+        <p:style>
+          <a:lnRef idx="2">
+            <a:schemeClr val="accent1">
+              <a:shade val="15000"/>
+            </a:schemeClr>
+          </a:lnRef>
+          <a:fillRef idx="1">
+            <a:schemeClr val="accent1"/>
+          </a:fillRef>
+          <a:effectRef idx="0">
+            <a:schemeClr val="accent1"/>
+          </a:effectRef>
+          <a:fontRef idx="minor">
+            <a:schemeClr val="lt1"/>
+          </a:fontRef>
+        </p:style>
         <p:txBody>
-          <a:bodyPr/>
+          <a:bodyPr rtlCol="0" anchor="ctr"/>
           <a:lstStyle/>
           <a:p>
-            <a:fld id="{FCAFAC13-DB77-42F2-BE26-45BA5532FD50}" type="datetime4">
-              <a:rPr lang="en-US" altLang="ja-JP" smtClean="0"/>
-              <a:pPr/>
-              <a:t>July 30, 2024</a:t>
-            </a:fld>
-            <a:endParaRPr lang="en-US" dirty="0"/>
+            <a:pPr algn="ctr"/>
+            <a:r>
+              <a:rPr kumimoji="1" lang="en-US" altLang="ja-JP" dirty="0"/>
+              <a:t>UI</a:t>
+            </a:r>
+            <a:r>
+              <a:rPr kumimoji="1" lang="ja-JP" altLang="en-US" dirty="0"/>
+              <a:t>要望出し</a:t>
+            </a:r>
           </a:p>
         </p:txBody>
       </p:sp>
+      <p:sp>
+        <p:nvSpPr>
+          <p:cNvPr id="8" name="四角形: 角を丸くする 7">
+            <a:extLst>
+              <a:ext uri="{FF2B5EF4-FFF2-40B4-BE49-F238E27FC236}">
+                <a16:creationId xmlns:a16="http://schemas.microsoft.com/office/drawing/2014/main" id="{99310833-A678-E6DA-6AC7-0091FB35C8AA}"/>
+              </a:ext>
+            </a:extLst>
+          </p:cNvPr>
+          <p:cNvSpPr/>
+          <p:nvPr/>
+        </p:nvSpPr>
+        <p:spPr>
+          <a:xfrm>
+            <a:off x="1162174" y="3190950"/>
+            <a:ext cx="3150256" cy="914400"/>
+          </a:xfrm>
+          <a:prstGeom prst="roundRect">
+            <a:avLst/>
+          </a:prstGeom>
+          <a:solidFill>
+            <a:schemeClr val="accent3"/>
+          </a:solidFill>
+        </p:spPr>
+        <p:style>
+          <a:lnRef idx="2">
+            <a:schemeClr val="accent1">
+              <a:shade val="15000"/>
+            </a:schemeClr>
+          </a:lnRef>
+          <a:fillRef idx="1">
+            <a:schemeClr val="accent1"/>
+          </a:fillRef>
+          <a:effectRef idx="0">
+            <a:schemeClr val="accent1"/>
+          </a:effectRef>
+          <a:fontRef idx="minor">
+            <a:schemeClr val="lt1"/>
+          </a:fontRef>
+        </p:style>
+        <p:txBody>
+          <a:bodyPr rtlCol="0" anchor="ctr"/>
+          <a:lstStyle/>
+          <a:p>
+            <a:pPr algn="ctr"/>
+            <a:r>
+              <a:rPr kumimoji="1" lang="ja-JP" altLang="en-US" dirty="0"/>
+              <a:t>反映検討</a:t>
+            </a:r>
+          </a:p>
+        </p:txBody>
+      </p:sp>
+      <p:sp>
+        <p:nvSpPr>
+          <p:cNvPr id="9" name="四角形: 角を丸くする 8">
+            <a:extLst>
+              <a:ext uri="{FF2B5EF4-FFF2-40B4-BE49-F238E27FC236}">
+                <a16:creationId xmlns:a16="http://schemas.microsoft.com/office/drawing/2014/main" id="{7435F450-2EB0-FB4F-9BE9-0285EFC070B7}"/>
+              </a:ext>
+            </a:extLst>
+          </p:cNvPr>
+          <p:cNvSpPr/>
+          <p:nvPr/>
+        </p:nvSpPr>
+        <p:spPr>
+          <a:xfrm>
+            <a:off x="1162174" y="4762425"/>
+            <a:ext cx="3150256" cy="914400"/>
+          </a:xfrm>
+          <a:prstGeom prst="roundRect">
+            <a:avLst/>
+          </a:prstGeom>
+          <a:solidFill>
+            <a:schemeClr val="accent3"/>
+          </a:solidFill>
+        </p:spPr>
+        <p:style>
+          <a:lnRef idx="2">
+            <a:schemeClr val="accent1">
+              <a:shade val="15000"/>
+            </a:schemeClr>
+          </a:lnRef>
+          <a:fillRef idx="1">
+            <a:schemeClr val="accent1"/>
+          </a:fillRef>
+          <a:effectRef idx="0">
+            <a:schemeClr val="accent1"/>
+          </a:effectRef>
+          <a:fontRef idx="minor">
+            <a:schemeClr val="lt1"/>
+          </a:fontRef>
+        </p:style>
+        <p:txBody>
+          <a:bodyPr rtlCol="0" anchor="ctr"/>
+          <a:lstStyle/>
+          <a:p>
+            <a:pPr algn="ctr"/>
+            <a:r>
+              <a:rPr kumimoji="1" lang="ja-JP" altLang="en-US" dirty="0"/>
+              <a:t>実装</a:t>
+            </a:r>
+          </a:p>
+        </p:txBody>
+      </p:sp>
+      <p:sp>
+        <p:nvSpPr>
+          <p:cNvPr id="10" name="矢印: 右 9">
+            <a:extLst>
+              <a:ext uri="{FF2B5EF4-FFF2-40B4-BE49-F238E27FC236}">
+                <a16:creationId xmlns:a16="http://schemas.microsoft.com/office/drawing/2014/main" id="{07EC8C0E-998E-BCCC-46AE-FF5DA4FC8476}"/>
+              </a:ext>
+            </a:extLst>
+          </p:cNvPr>
+          <p:cNvSpPr/>
+          <p:nvPr/>
+        </p:nvSpPr>
+        <p:spPr>
+          <a:xfrm rot="5400000">
+            <a:off x="2536724" y="2768022"/>
+            <a:ext cx="401156" cy="188780"/>
+          </a:xfrm>
+          <a:prstGeom prst="rightArrow">
+            <a:avLst/>
+          </a:prstGeom>
+        </p:spPr>
+        <p:style>
+          <a:lnRef idx="2">
+            <a:schemeClr val="accent1">
+              <a:shade val="15000"/>
+            </a:schemeClr>
+          </a:lnRef>
+          <a:fillRef idx="1">
+            <a:schemeClr val="accent1"/>
+          </a:fillRef>
+          <a:effectRef idx="0">
+            <a:schemeClr val="accent1"/>
+          </a:effectRef>
+          <a:fontRef idx="minor">
+            <a:schemeClr val="lt1"/>
+          </a:fontRef>
+        </p:style>
+        <p:txBody>
+          <a:bodyPr rtlCol="0" anchor="ctr"/>
+          <a:lstStyle/>
+          <a:p>
+            <a:pPr algn="ctr"/>
+            <a:endParaRPr kumimoji="1" lang="ja-JP" altLang="en-US"/>
+          </a:p>
+        </p:txBody>
+      </p:sp>
+      <p:sp>
+        <p:nvSpPr>
+          <p:cNvPr id="11" name="矢印: 右 10">
+            <a:extLst>
+              <a:ext uri="{FF2B5EF4-FFF2-40B4-BE49-F238E27FC236}">
+                <a16:creationId xmlns:a16="http://schemas.microsoft.com/office/drawing/2014/main" id="{071B6B7B-5E35-0EE7-AA17-BBEB8396888A}"/>
+              </a:ext>
+            </a:extLst>
+          </p:cNvPr>
+          <p:cNvSpPr/>
+          <p:nvPr/>
+        </p:nvSpPr>
+        <p:spPr>
+          <a:xfrm rot="5400000">
+            <a:off x="2536724" y="4357507"/>
+            <a:ext cx="401156" cy="188780"/>
+          </a:xfrm>
+          <a:prstGeom prst="rightArrow">
+            <a:avLst/>
+          </a:prstGeom>
+        </p:spPr>
+        <p:style>
+          <a:lnRef idx="2">
+            <a:schemeClr val="accent1">
+              <a:shade val="15000"/>
+            </a:schemeClr>
+          </a:lnRef>
+          <a:fillRef idx="1">
+            <a:schemeClr val="accent1"/>
+          </a:fillRef>
+          <a:effectRef idx="0">
+            <a:schemeClr val="accent1"/>
+          </a:effectRef>
+          <a:fontRef idx="minor">
+            <a:schemeClr val="lt1"/>
+          </a:fontRef>
+        </p:style>
+        <p:txBody>
+          <a:bodyPr rtlCol="0" anchor="ctr"/>
+          <a:lstStyle/>
+          <a:p>
+            <a:pPr algn="ctr"/>
+            <a:endParaRPr kumimoji="1" lang="ja-JP" altLang="en-US"/>
+          </a:p>
+        </p:txBody>
+      </p:sp>
+      <p:sp>
+        <p:nvSpPr>
+          <p:cNvPr id="12" name="矢印: 右 11">
+            <a:extLst>
+              <a:ext uri="{FF2B5EF4-FFF2-40B4-BE49-F238E27FC236}">
+                <a16:creationId xmlns:a16="http://schemas.microsoft.com/office/drawing/2014/main" id="{F928904C-7795-AECE-C65C-F5A73367B47E}"/>
+              </a:ext>
+            </a:extLst>
+          </p:cNvPr>
+          <p:cNvSpPr/>
+          <p:nvPr/>
+        </p:nvSpPr>
+        <p:spPr>
+          <a:xfrm rot="10800000">
+            <a:off x="4600515" y="3553760"/>
+            <a:ext cx="401156" cy="188780"/>
+          </a:xfrm>
+          <a:prstGeom prst="rightArrow">
+            <a:avLst/>
+          </a:prstGeom>
+        </p:spPr>
+        <p:style>
+          <a:lnRef idx="2">
+            <a:schemeClr val="accent1">
+              <a:shade val="15000"/>
+            </a:schemeClr>
+          </a:lnRef>
+          <a:fillRef idx="1">
+            <a:schemeClr val="accent1"/>
+          </a:fillRef>
+          <a:effectRef idx="0">
+            <a:schemeClr val="accent1"/>
+          </a:effectRef>
+          <a:fontRef idx="minor">
+            <a:schemeClr val="lt1"/>
+          </a:fontRef>
+        </p:style>
+        <p:txBody>
+          <a:bodyPr rtlCol="0" anchor="ctr"/>
+          <a:lstStyle/>
+          <a:p>
+            <a:pPr algn="ctr"/>
+            <a:endParaRPr kumimoji="1" lang="ja-JP" altLang="en-US"/>
+          </a:p>
+        </p:txBody>
+      </p:sp>
+      <p:pic>
+        <p:nvPicPr>
+          <p:cNvPr id="1026" name="Picture 2" descr="New Data Science Project with Streamlit and Python - QUANTLABS.NET">
+            <a:extLst>
+              <a:ext uri="{FF2B5EF4-FFF2-40B4-BE49-F238E27FC236}">
+                <a16:creationId xmlns:a16="http://schemas.microsoft.com/office/drawing/2014/main" id="{2C5691AA-80CB-5577-0010-FF191AB2E550}"/>
+              </a:ext>
+            </a:extLst>
+          </p:cNvPr>
+          <p:cNvPicPr>
+            <a:picLocks noChangeAspect="1" noChangeArrowheads="1"/>
+          </p:cNvPicPr>
+          <p:nvPr/>
+        </p:nvPicPr>
+        <p:blipFill>
+          <a:blip r:embed="rId2" cstate="print">
+            <a:extLst>
+              <a:ext uri="{28A0092B-C50C-407E-A947-70E740481C1C}">
+                <a14:useLocalDpi xmlns:a14="http://schemas.microsoft.com/office/drawing/2010/main" val="0"/>
+              </a:ext>
+            </a:extLst>
+          </a:blip>
+          <a:srcRect/>
+          <a:stretch>
+            <a:fillRect/>
+          </a:stretch>
+        </p:blipFill>
+        <p:spPr bwMode="auto">
+          <a:xfrm>
+            <a:off x="5160596" y="3286583"/>
+            <a:ext cx="1399486" cy="818767"/>
+          </a:xfrm>
+          <a:prstGeom prst="rect">
+            <a:avLst/>
+          </a:prstGeom>
+          <a:noFill/>
+          <a:extLst>
+            <a:ext uri="{909E8E84-426E-40DD-AFC4-6F175D3DCCD1}">
+              <a14:hiddenFill xmlns:a14="http://schemas.microsoft.com/office/drawing/2010/main">
+                <a:solidFill>
+                  <a:srgbClr val="FFFFFF"/>
+                </a:solidFill>
+              </a14:hiddenFill>
+            </a:ext>
+          </a:extLst>
+        </p:spPr>
+      </p:pic>
     </p:spTree>
     <p:extLst>
       <p:ext uri="{BB962C8B-B14F-4D97-AF65-F5344CB8AC3E}">
-        <p14:creationId xmlns:p14="http://schemas.microsoft.com/office/powerpoint/2010/main" val="13118548"/>
+        <p14:creationId xmlns:p14="http://schemas.microsoft.com/office/powerpoint/2010/main" val="2561477704"/>
       </p:ext>
     </p:extLst>
   </p:cSld>
